--- a/ppts/notes/ch_4.pptx
+++ b/ppts/notes/ch_4.pptx
@@ -5,42 +5,45 @@
     <p:sldMasterId id="2147483672" r:id="rId1"/>
   </p:sldMasterIdLst>
   <p:notesMasterIdLst>
-    <p:notesMasterId r:id="rId35"/>
+    <p:notesMasterId r:id="rId38"/>
   </p:notesMasterIdLst>
   <p:sldIdLst>
     <p:sldId id="256" r:id="rId2"/>
     <p:sldId id="257" r:id="rId3"/>
     <p:sldId id="258" r:id="rId4"/>
     <p:sldId id="259" r:id="rId5"/>
-    <p:sldId id="260" r:id="rId6"/>
-    <p:sldId id="262" r:id="rId7"/>
-    <p:sldId id="261" r:id="rId8"/>
-    <p:sldId id="263" r:id="rId9"/>
-    <p:sldId id="264" r:id="rId10"/>
-    <p:sldId id="266" r:id="rId11"/>
-    <p:sldId id="265" r:id="rId12"/>
-    <p:sldId id="267" r:id="rId13"/>
-    <p:sldId id="268" r:id="rId14"/>
-    <p:sldId id="269" r:id="rId15"/>
-    <p:sldId id="270" r:id="rId16"/>
-    <p:sldId id="272" r:id="rId17"/>
-    <p:sldId id="271" r:id="rId18"/>
-    <p:sldId id="273" r:id="rId19"/>
-    <p:sldId id="274" r:id="rId20"/>
-    <p:sldId id="275" r:id="rId21"/>
-    <p:sldId id="278" r:id="rId22"/>
-    <p:sldId id="276" r:id="rId23"/>
-    <p:sldId id="277" r:id="rId24"/>
-    <p:sldId id="279" r:id="rId25"/>
-    <p:sldId id="280" r:id="rId26"/>
-    <p:sldId id="281" r:id="rId27"/>
-    <p:sldId id="282" r:id="rId28"/>
-    <p:sldId id="283" r:id="rId29"/>
-    <p:sldId id="284" r:id="rId30"/>
-    <p:sldId id="285" r:id="rId31"/>
-    <p:sldId id="286" r:id="rId32"/>
-    <p:sldId id="287" r:id="rId33"/>
-    <p:sldId id="288" r:id="rId34"/>
+    <p:sldId id="289" r:id="rId6"/>
+    <p:sldId id="260" r:id="rId7"/>
+    <p:sldId id="262" r:id="rId8"/>
+    <p:sldId id="261" r:id="rId9"/>
+    <p:sldId id="263" r:id="rId10"/>
+    <p:sldId id="264" r:id="rId11"/>
+    <p:sldId id="266" r:id="rId12"/>
+    <p:sldId id="290" r:id="rId13"/>
+    <p:sldId id="265" r:id="rId14"/>
+    <p:sldId id="267" r:id="rId15"/>
+    <p:sldId id="291" r:id="rId16"/>
+    <p:sldId id="268" r:id="rId17"/>
+    <p:sldId id="269" r:id="rId18"/>
+    <p:sldId id="270" r:id="rId19"/>
+    <p:sldId id="272" r:id="rId20"/>
+    <p:sldId id="271" r:id="rId21"/>
+    <p:sldId id="274" r:id="rId22"/>
+    <p:sldId id="275" r:id="rId23"/>
+    <p:sldId id="273" r:id="rId24"/>
+    <p:sldId id="278" r:id="rId25"/>
+    <p:sldId id="276" r:id="rId26"/>
+    <p:sldId id="279" r:id="rId27"/>
+    <p:sldId id="280" r:id="rId28"/>
+    <p:sldId id="281" r:id="rId29"/>
+    <p:sldId id="282" r:id="rId30"/>
+    <p:sldId id="277" r:id="rId31"/>
+    <p:sldId id="283" r:id="rId32"/>
+    <p:sldId id="284" r:id="rId33"/>
+    <p:sldId id="285" r:id="rId34"/>
+    <p:sldId id="286" r:id="rId35"/>
+    <p:sldId id="287" r:id="rId36"/>
+    <p:sldId id="288" r:id="rId37"/>
   </p:sldIdLst>
   <p:sldSz cx="12192000" cy="6858000"/>
   <p:notesSz cx="6858000" cy="9144000"/>
@@ -240,7 +243,7 @@
           <a:p>
             <a:fld id="{E802D000-9338-2D4C-93B2-12691D16F432}" type="datetimeFigureOut">
               <a:rPr lang="en-US" smtClean="0"/>
-              <a:t>8/17/17</a:t>
+              <a:t>10/2/17</a:t>
             </a:fld>
             <a:endParaRPr lang="en-US"/>
           </a:p>
@@ -557,20 +560,6 @@
           <a:bodyPr/>
           <a:lstStyle/>
           <a:p>
-            <a:r>
-              <a:rPr lang="en-US" dirty="0" smtClean="0"/>
-              <a:t>Direct</a:t>
-            </a:r>
-            <a:r>
-              <a:rPr lang="en-US" baseline="0" dirty="0" smtClean="0"/>
-              <a:t> – something you experience at the time of participation</a:t>
-            </a:r>
-          </a:p>
-          <a:p>
-            <a:r>
-              <a:rPr lang="en-US" baseline="0" dirty="0" smtClean="0"/>
-              <a:t>Indirect – happens outside the site of movement activity/participation</a:t>
-            </a:r>
             <a:endParaRPr lang="en-US" dirty="0"/>
           </a:p>
         </p:txBody>
@@ -700,7 +689,7 @@
           <a:p>
             <a:fld id="{16029252-937F-F341-923E-D6853FA7BAC8}" type="slidenum">
               <a:rPr lang="en-US" smtClean="0"/>
-              <a:t>9</a:t>
+              <a:t>10</a:t>
             </a:fld>
             <a:endParaRPr lang="en-US"/>
           </a:p>
@@ -814,7 +803,7 @@
           <a:p>
             <a:fld id="{16029252-937F-F341-923E-D6853FA7BAC8}" type="slidenum">
               <a:rPr lang="en-US" smtClean="0"/>
-              <a:t>10</a:t>
+              <a:t>11</a:t>
             </a:fld>
             <a:endParaRPr lang="en-US"/>
           </a:p>
@@ -930,7 +919,7 @@
           <a:p>
             <a:fld id="{16029252-937F-F341-923E-D6853FA7BAC8}" type="slidenum">
               <a:rPr lang="en-US" smtClean="0"/>
-              <a:t>33</a:t>
+              <a:t>36</a:t>
             </a:fld>
             <a:endParaRPr lang="en-US"/>
           </a:p>
@@ -1262,7 +1251,7 @@
           <a:p>
             <a:fld id="{94B4E3AD-2290-2B45-A362-70E68C4FC996}" type="datetimeFigureOut">
               <a:rPr lang="en-US" smtClean="0"/>
-              <a:t>8/17/17</a:t>
+              <a:t>10/2/17</a:t>
             </a:fld>
             <a:endParaRPr lang="en-US"/>
           </a:p>
@@ -1428,7 +1417,7 @@
           <a:p>
             <a:fld id="{94B4E3AD-2290-2B45-A362-70E68C4FC996}" type="datetimeFigureOut">
               <a:rPr lang="en-US" smtClean="0"/>
-              <a:t>8/17/17</a:t>
+              <a:t>10/2/17</a:t>
             </a:fld>
             <a:endParaRPr lang="en-US"/>
           </a:p>
@@ -1752,7 +1741,7 @@
           <a:p>
             <a:fld id="{94B4E3AD-2290-2B45-A362-70E68C4FC996}" type="datetimeFigureOut">
               <a:rPr lang="en-US" smtClean="0"/>
-              <a:t>8/17/17</a:t>
+              <a:t>10/2/17</a:t>
             </a:fld>
             <a:endParaRPr lang="en-US"/>
           </a:p>
@@ -1968,7 +1957,7 @@
           <a:p>
             <a:fld id="{94B4E3AD-2290-2B45-A362-70E68C4FC996}" type="datetimeFigureOut">
               <a:rPr lang="en-US" smtClean="0"/>
-              <a:t>8/17/17</a:t>
+              <a:t>10/2/17</a:t>
             </a:fld>
             <a:endParaRPr lang="en-US"/>
           </a:p>
@@ -2323,7 +2312,7 @@
           <a:p>
             <a:fld id="{94B4E3AD-2290-2B45-A362-70E68C4FC996}" type="datetimeFigureOut">
               <a:rPr lang="en-US" smtClean="0"/>
-              <a:t>8/17/17</a:t>
+              <a:t>10/2/17</a:t>
             </a:fld>
             <a:endParaRPr lang="en-US"/>
           </a:p>
@@ -2615,7 +2604,7 @@
           <a:p>
             <a:fld id="{94B4E3AD-2290-2B45-A362-70E68C4FC996}" type="datetimeFigureOut">
               <a:rPr lang="en-US" smtClean="0"/>
-              <a:t>8/17/17</a:t>
+              <a:t>10/2/17</a:t>
             </a:fld>
             <a:endParaRPr lang="en-US"/>
           </a:p>
@@ -2996,7 +2985,7 @@
           <a:p>
             <a:fld id="{94B4E3AD-2290-2B45-A362-70E68C4FC996}" type="datetimeFigureOut">
               <a:rPr lang="en-US" smtClean="0"/>
-              <a:t>8/17/17</a:t>
+              <a:t>10/2/17</a:t>
             </a:fld>
             <a:endParaRPr lang="en-US"/>
           </a:p>
@@ -3094,7 +3083,7 @@
           <a:p>
             <a:fld id="{94B4E3AD-2290-2B45-A362-70E68C4FC996}" type="datetimeFigureOut">
               <a:rPr lang="en-US" smtClean="0"/>
-              <a:t>8/17/17</a:t>
+              <a:t>10/2/17</a:t>
             </a:fld>
             <a:endParaRPr lang="en-US"/>
           </a:p>
@@ -3169,7 +3158,7 @@
           <a:p>
             <a:fld id="{94B4E3AD-2290-2B45-A362-70E68C4FC996}" type="datetimeFigureOut">
               <a:rPr lang="en-US" smtClean="0"/>
-              <a:t>8/17/17</a:t>
+              <a:t>10/2/17</a:t>
             </a:fld>
             <a:endParaRPr lang="en-US"/>
           </a:p>
@@ -3412,7 +3401,7 @@
           <a:p>
             <a:fld id="{94B4E3AD-2290-2B45-A362-70E68C4FC996}" type="datetimeFigureOut">
               <a:rPr lang="en-US" smtClean="0"/>
-              <a:t>8/17/17</a:t>
+              <a:t>10/2/17</a:t>
             </a:fld>
             <a:endParaRPr lang="en-US"/>
           </a:p>
@@ -3847,7 +3836,7 @@
           <a:p>
             <a:fld id="{94B4E3AD-2290-2B45-A362-70E68C4FC996}" type="datetimeFigureOut">
               <a:rPr lang="en-US" smtClean="0"/>
-              <a:t>8/17/17</a:t>
+              <a:t>10/2/17</a:t>
             </a:fld>
             <a:endParaRPr lang="en-US"/>
           </a:p>
@@ -4067,7 +4056,7 @@
           <a:p>
             <a:fld id="{94B4E3AD-2290-2B45-A362-70E68C4FC996}" type="datetimeFigureOut">
               <a:rPr lang="en-US" smtClean="0"/>
-              <a:t>8/17/17</a:t>
+              <a:t>10/2/17</a:t>
             </a:fld>
             <a:endParaRPr lang="en-US"/>
           </a:p>
@@ -4827,14 +4816,14 @@
   <p:clrMapOvr>
     <a:masterClrMapping/>
   </p:clrMapOvr>
-  <mc:AlternateContent xmlns:mc="http://schemas.openxmlformats.org/markup-compatibility/2006" xmlns:p14="http://schemas.microsoft.com/office/powerpoint/2010/main">
-    <mc:Choice Requires="p14">
+  <mc:AlternateContent xmlns:mc="http://schemas.openxmlformats.org/markup-compatibility/2006">
+    <mc:Choice xmlns:p14="http://schemas.microsoft.com/office/powerpoint/2010/main" Requires="p14">
       <p:transition spd="med" p14:dur="700">
         <p:fade/>
       </p:transition>
     </mc:Choice>
-    <mc:Fallback xmlns="">
-      <p:transition xmlns:p14="http://schemas.microsoft.com/office/powerpoint/2010/main" spd="med">
+    <mc:Fallback>
+      <p:transition spd="med">
         <p:fade/>
       </p:transition>
     </mc:Fallback>
@@ -4843,6 +4832,187 @@
 </file>
 
 <file path=ppt/slides/slide10.xml><?xml version="1.0" encoding="utf-8"?>
+<p:sld xmlns:a="http://schemas.openxmlformats.org/drawingml/2006/main" xmlns:r="http://schemas.openxmlformats.org/officeDocument/2006/relationships" xmlns:p="http://schemas.openxmlformats.org/presentationml/2006/main">
+  <p:cSld>
+    <p:spTree>
+      <p:nvGrpSpPr>
+        <p:cNvPr id="1" name=""/>
+        <p:cNvGrpSpPr/>
+        <p:nvPr/>
+      </p:nvGrpSpPr>
+      <p:grpSpPr>
+        <a:xfrm>
+          <a:off x="0" y="0"/>
+          <a:ext cx="0" cy="0"/>
+          <a:chOff x="0" y="0"/>
+          <a:chExt cx="0" cy="0"/>
+        </a:xfrm>
+      </p:grpSpPr>
+      <p:sp>
+        <p:nvSpPr>
+          <p:cNvPr id="2" name="Title 1"/>
+          <p:cNvSpPr>
+            <a:spLocks noGrp="1"/>
+          </p:cNvSpPr>
+          <p:nvPr>
+            <p:ph type="title"/>
+          </p:nvPr>
+        </p:nvSpPr>
+        <p:spPr/>
+        <p:txBody>
+          <a:bodyPr/>
+          <a:lstStyle/>
+          <a:p>
+            <a:r>
+              <a:rPr lang="en-US" dirty="0" smtClean="0"/>
+              <a:t>Commitment</a:t>
+            </a:r>
+            <a:endParaRPr lang="en-US" dirty="0"/>
+          </a:p>
+        </p:txBody>
+      </p:sp>
+      <p:grpSp>
+        <p:nvGrpSpPr>
+          <p:cNvPr id="6" name="Group 5"/>
+          <p:cNvGrpSpPr/>
+          <p:nvPr/>
+        </p:nvGrpSpPr>
+        <p:grpSpPr>
+          <a:xfrm>
+            <a:off x="1967333" y="3602061"/>
+            <a:ext cx="8570261" cy="1007811"/>
+            <a:chOff x="1981200" y="2912948"/>
+            <a:chExt cx="8570261" cy="1007811"/>
+          </a:xfrm>
+        </p:grpSpPr>
+        <p:sp>
+          <p:nvSpPr>
+            <p:cNvPr id="7" name="TextBox 6"/>
+            <p:cNvSpPr txBox="1"/>
+            <p:nvPr/>
+          </p:nvSpPr>
+          <p:spPr>
+            <a:xfrm>
+              <a:off x="1981200" y="3037055"/>
+              <a:ext cx="3004349" cy="523220"/>
+            </a:xfrm>
+            <a:prstGeom prst="rect">
+              <a:avLst/>
+            </a:prstGeom>
+            <a:noFill/>
+          </p:spPr>
+          <p:txBody>
+            <a:bodyPr wrap="none" rtlCol="0">
+              <a:spAutoFit/>
+            </a:bodyPr>
+            <a:lstStyle/>
+            <a:p>
+              <a:r>
+                <a:rPr lang="en-US" sz="2800" dirty="0">
+                  <a:latin typeface="Helvetica Neue Light" charset="0"/>
+                  <a:ea typeface="Helvetica Neue Light" charset="0"/>
+                  <a:cs typeface="Helvetica Neue Light" charset="0"/>
+                </a:rPr>
+                <a:t>High Commitment</a:t>
+              </a:r>
+            </a:p>
+          </p:txBody>
+        </p:sp>
+        <p:sp>
+          <p:nvSpPr>
+            <p:cNvPr id="8" name="TextBox 7"/>
+            <p:cNvSpPr txBox="1"/>
+            <p:nvPr/>
+          </p:nvSpPr>
+          <p:spPr>
+            <a:xfrm>
+              <a:off x="7563095" y="2966652"/>
+              <a:ext cx="2988366" cy="954107"/>
+            </a:xfrm>
+            <a:prstGeom prst="rect">
+              <a:avLst/>
+            </a:prstGeom>
+            <a:noFill/>
+          </p:spPr>
+          <p:txBody>
+            <a:bodyPr wrap="square" rtlCol="0">
+              <a:spAutoFit/>
+            </a:bodyPr>
+            <a:lstStyle/>
+            <a:p>
+              <a:r>
+                <a:rPr lang="en-US" sz="2800" dirty="0">
+                  <a:latin typeface="Helvetica Neue Light" charset="0"/>
+                  <a:ea typeface="Helvetica Neue Light" charset="0"/>
+                  <a:cs typeface="Helvetica Neue Light" charset="0"/>
+                </a:rPr>
+                <a:t>High Risk/High Cost Activism</a:t>
+              </a:r>
+            </a:p>
+          </p:txBody>
+        </p:sp>
+        <p:cxnSp>
+          <p:nvCxnSpPr>
+            <p:cNvPr id="10" name="Curved Connector 9"/>
+            <p:cNvCxnSpPr/>
+            <p:nvPr/>
+          </p:nvCxnSpPr>
+          <p:spPr>
+            <a:xfrm rot="5400000" flipH="1" flipV="1">
+              <a:off x="6193178" y="131587"/>
+              <a:ext cx="82739" cy="5645461"/>
+            </a:xfrm>
+            <a:prstGeom prst="curvedConnector3">
+              <a:avLst>
+                <a:gd name="adj1" fmla="val 1888539"/>
+              </a:avLst>
+            </a:prstGeom>
+            <a:ln>
+              <a:tailEnd type="arrow"/>
+            </a:ln>
+          </p:spPr>
+          <p:style>
+            <a:lnRef idx="2">
+              <a:schemeClr val="accent1"/>
+            </a:lnRef>
+            <a:fillRef idx="0">
+              <a:schemeClr val="accent1"/>
+            </a:fillRef>
+            <a:effectRef idx="1">
+              <a:schemeClr val="accent1"/>
+            </a:effectRef>
+            <a:fontRef idx="minor">
+              <a:schemeClr val="tx1"/>
+            </a:fontRef>
+          </p:style>
+        </p:cxnSp>
+      </p:grpSp>
+    </p:spTree>
+    <p:extLst>
+      <p:ext uri="{BB962C8B-B14F-4D97-AF65-F5344CB8AC3E}">
+        <p14:creationId xmlns:p14="http://schemas.microsoft.com/office/powerpoint/2010/main" val="2106459817"/>
+      </p:ext>
+    </p:extLst>
+  </p:cSld>
+  <p:clrMapOvr>
+    <a:masterClrMapping/>
+  </p:clrMapOvr>
+  <mc:AlternateContent xmlns:mc="http://schemas.openxmlformats.org/markup-compatibility/2006">
+    <mc:Choice xmlns:p14="http://schemas.microsoft.com/office/powerpoint/2010/main" Requires="p14">
+      <p:transition spd="med" p14:dur="700">
+        <p:fade/>
+      </p:transition>
+    </mc:Choice>
+    <mc:Fallback>
+      <p:transition spd="med">
+        <p:fade/>
+      </p:transition>
+    </mc:Fallback>
+  </mc:AlternateContent>
+</p:sld>
+</file>
+
+<file path=ppt/slides/slide11.xml><?xml version="1.0" encoding="utf-8"?>
 <p:sld xmlns:a="http://schemas.openxmlformats.org/drawingml/2006/main" xmlns:r="http://schemas.openxmlformats.org/officeDocument/2006/relationships" xmlns:p="http://schemas.openxmlformats.org/presentationml/2006/main">
   <p:cSld>
     <p:spTree>
@@ -5046,102 +5216,14 @@
   <p:clrMapOvr>
     <a:masterClrMapping/>
   </p:clrMapOvr>
-  <mc:AlternateContent xmlns:mc="http://schemas.openxmlformats.org/markup-compatibility/2006" xmlns:p14="http://schemas.microsoft.com/office/powerpoint/2010/main">
-    <mc:Choice Requires="p14">
+  <mc:AlternateContent xmlns:mc="http://schemas.openxmlformats.org/markup-compatibility/2006">
+    <mc:Choice xmlns:p14="http://schemas.microsoft.com/office/powerpoint/2010/main" Requires="p14">
       <p:transition spd="med" p14:dur="700">
         <p:fade/>
       </p:transition>
     </mc:Choice>
-    <mc:Fallback xmlns="">
-      <p:transition xmlns:p14="http://schemas.microsoft.com/office/powerpoint/2010/main" spd="med">
-        <p:fade/>
-      </p:transition>
-    </mc:Fallback>
-  </mc:AlternateContent>
-</p:sld>
-</file>
-
-<file path=ppt/slides/slide11.xml><?xml version="1.0" encoding="utf-8"?>
-<p:sld xmlns:a="http://schemas.openxmlformats.org/drawingml/2006/main" xmlns:r="http://schemas.openxmlformats.org/officeDocument/2006/relationships" xmlns:p="http://schemas.openxmlformats.org/presentationml/2006/main">
-  <p:cSld>
-    <p:spTree>
-      <p:nvGrpSpPr>
-        <p:cNvPr id="1" name=""/>
-        <p:cNvGrpSpPr/>
-        <p:nvPr/>
-      </p:nvGrpSpPr>
-      <p:grpSpPr>
-        <a:xfrm>
-          <a:off x="0" y="0"/>
-          <a:ext cx="0" cy="0"/>
-          <a:chOff x="0" y="0"/>
-          <a:chExt cx="0" cy="0"/>
-        </a:xfrm>
-      </p:grpSpPr>
-      <p:sp>
-        <p:nvSpPr>
-          <p:cNvPr id="2" name="Title 1"/>
-          <p:cNvSpPr>
-            <a:spLocks noGrp="1"/>
-          </p:cNvSpPr>
-          <p:nvPr>
-            <p:ph type="title"/>
-          </p:nvPr>
-        </p:nvSpPr>
-        <p:spPr/>
-        <p:txBody>
-          <a:bodyPr/>
-          <a:lstStyle/>
-          <a:p>
-            <a:r>
-              <a:rPr lang="en-US" dirty="0" smtClean="0"/>
-              <a:t>Question 1</a:t>
-            </a:r>
-            <a:endParaRPr lang="en-US" dirty="0"/>
-          </a:p>
-        </p:txBody>
-      </p:sp>
-      <p:sp>
-        <p:nvSpPr>
-          <p:cNvPr id="3" name="Content Placeholder 2"/>
-          <p:cNvSpPr>
-            <a:spLocks noGrp="1"/>
-          </p:cNvSpPr>
-          <p:nvPr>
-            <p:ph sz="quarter" idx="1"/>
-          </p:nvPr>
-        </p:nvSpPr>
-        <p:spPr/>
-        <p:txBody>
-          <a:bodyPr/>
-          <a:lstStyle/>
-          <a:p>
-            <a:r>
-              <a:rPr lang="en-US" dirty="0" smtClean="0"/>
-              <a:t>Why do some people participate while others don’t?</a:t>
-            </a:r>
-            <a:endParaRPr lang="en-US" dirty="0"/>
-          </a:p>
-        </p:txBody>
-      </p:sp>
-    </p:spTree>
-    <p:extLst>
-      <p:ext uri="{BB962C8B-B14F-4D97-AF65-F5344CB8AC3E}">
-        <p14:creationId xmlns:p14="http://schemas.microsoft.com/office/powerpoint/2010/main" val="4276645293"/>
-      </p:ext>
-    </p:extLst>
-  </p:cSld>
-  <p:clrMapOvr>
-    <a:masterClrMapping/>
-  </p:clrMapOvr>
-  <mc:AlternateContent xmlns:mc="http://schemas.openxmlformats.org/markup-compatibility/2006" xmlns:p14="http://schemas.microsoft.com/office/powerpoint/2010/main">
-    <mc:Choice Requires="p14">
-      <p:transition spd="med" p14:dur="700">
-        <p:fade/>
-      </p:transition>
-    </mc:Choice>
-    <mc:Fallback xmlns="">
-      <p:transition xmlns:p14="http://schemas.microsoft.com/office/powerpoint/2010/main" spd="med">
+    <mc:Fallback>
+      <p:transition spd="med">
         <p:fade/>
       </p:transition>
     </mc:Fallback>
@@ -5178,14 +5260,12 @@
         </p:nvSpPr>
         <p:spPr/>
         <p:txBody>
-          <a:bodyPr>
-            <a:normAutofit/>
-          </a:bodyPr>
-          <a:lstStyle/>
-          <a:p>
-            <a:r>
-              <a:rPr lang="en-US" dirty="0" smtClean="0"/>
-              <a:t>Differential Recruitment and Participation</a:t>
+          <a:bodyPr/>
+          <a:lstStyle/>
+          <a:p>
+            <a:r>
+              <a:rPr lang="en-US" dirty="0" smtClean="0"/>
+              <a:t>Research Questions within Participation Literature</a:t>
             </a:r>
             <a:endParaRPr lang="en-US" dirty="0"/>
           </a:p>
@@ -5206,43 +5286,28 @@
           <a:bodyPr/>
           <a:lstStyle/>
           <a:p>
-            <a:r>
-              <a:rPr lang="en-US" dirty="0" smtClean="0"/>
-              <a:t>Structural Factors</a:t>
-            </a:r>
-          </a:p>
-          <a:p>
-            <a:r>
-              <a:rPr lang="en-US" dirty="0" smtClean="0"/>
-              <a:t>Social Psychological Factors</a:t>
-            </a:r>
-          </a:p>
-          <a:p>
-            <a:r>
-              <a:rPr lang="en-US" dirty="0" smtClean="0"/>
-              <a:t>Biographical Factors</a:t>
-            </a:r>
+            <a:endParaRPr lang="en-US"/>
           </a:p>
         </p:txBody>
       </p:sp>
     </p:spTree>
     <p:extLst>
       <p:ext uri="{BB962C8B-B14F-4D97-AF65-F5344CB8AC3E}">
-        <p14:creationId xmlns:p14="http://schemas.microsoft.com/office/powerpoint/2010/main" val="4260458665"/>
+        <p14:creationId xmlns:p14="http://schemas.microsoft.com/office/powerpoint/2010/main" val="2006141267"/>
       </p:ext>
     </p:extLst>
   </p:cSld>
   <p:clrMapOvr>
     <a:masterClrMapping/>
   </p:clrMapOvr>
-  <mc:AlternateContent xmlns:mc="http://schemas.openxmlformats.org/markup-compatibility/2006" xmlns:p14="http://schemas.microsoft.com/office/powerpoint/2010/main">
-    <mc:Choice Requires="p14">
+  <mc:AlternateContent xmlns:mc="http://schemas.openxmlformats.org/markup-compatibility/2006">
+    <mc:Choice xmlns:p14="http://schemas.microsoft.com/office/powerpoint/2010/main" Requires="p14">
       <p:transition spd="med" p14:dur="700">
         <p:fade/>
       </p:transition>
     </mc:Choice>
-    <mc:Fallback xmlns="">
-      <p:transition xmlns:p14="http://schemas.microsoft.com/office/powerpoint/2010/main" spd="med">
+    <mc:Fallback>
+      <p:transition spd="med">
         <p:fade/>
       </p:transition>
     </mc:Fallback>
@@ -5284,7 +5349,7 @@
           <a:p>
             <a:r>
               <a:rPr lang="en-US" dirty="0" smtClean="0"/>
-              <a:t>Structural Factors</a:t>
+              <a:t>Question 1</a:t>
             </a:r>
             <a:endParaRPr lang="en-US" dirty="0"/>
           </a:p>
@@ -5307,13 +5372,7 @@
           <a:p>
             <a:r>
               <a:rPr lang="en-US" dirty="0" smtClean="0"/>
-              <a:t>Social networks</a:t>
-            </a:r>
-          </a:p>
-          <a:p>
-            <a:r>
-              <a:rPr lang="en-US" dirty="0" smtClean="0"/>
-              <a:t>Organizational Affiliations</a:t>
+              <a:t>Why do some people participate while others don’t?</a:t>
             </a:r>
             <a:endParaRPr lang="en-US" dirty="0"/>
           </a:p>
@@ -5322,21 +5381,21 @@
     </p:spTree>
     <p:extLst>
       <p:ext uri="{BB962C8B-B14F-4D97-AF65-F5344CB8AC3E}">
-        <p14:creationId xmlns:p14="http://schemas.microsoft.com/office/powerpoint/2010/main" val="3108738989"/>
+        <p14:creationId xmlns:p14="http://schemas.microsoft.com/office/powerpoint/2010/main" val="4276645293"/>
       </p:ext>
     </p:extLst>
   </p:cSld>
   <p:clrMapOvr>
     <a:masterClrMapping/>
   </p:clrMapOvr>
-  <mc:AlternateContent xmlns:mc="http://schemas.openxmlformats.org/markup-compatibility/2006" xmlns:p14="http://schemas.microsoft.com/office/powerpoint/2010/main">
-    <mc:Choice Requires="p14">
+  <mc:AlternateContent xmlns:mc="http://schemas.openxmlformats.org/markup-compatibility/2006">
+    <mc:Choice xmlns:p14="http://schemas.microsoft.com/office/powerpoint/2010/main" Requires="p14">
       <p:transition spd="med" p14:dur="700">
         <p:fade/>
       </p:transition>
     </mc:Choice>
-    <mc:Fallback xmlns="">
-      <p:transition xmlns:p14="http://schemas.microsoft.com/office/powerpoint/2010/main" spd="med">
+    <mc:Fallback>
+      <p:transition spd="med">
         <p:fade/>
       </p:transition>
     </mc:Fallback>
@@ -5373,6 +5432,31 @@
         </p:nvSpPr>
         <p:spPr/>
         <p:txBody>
+          <a:bodyPr>
+            <a:normAutofit/>
+          </a:bodyPr>
+          <a:lstStyle/>
+          <a:p>
+            <a:r>
+              <a:rPr lang="en-US" dirty="0" smtClean="0"/>
+              <a:t>Differential Recruitment and Participation</a:t>
+            </a:r>
+            <a:endParaRPr lang="en-US" dirty="0"/>
+          </a:p>
+        </p:txBody>
+      </p:sp>
+      <p:sp>
+        <p:nvSpPr>
+          <p:cNvPr id="3" name="Content Placeholder 2"/>
+          <p:cNvSpPr>
+            <a:spLocks noGrp="1"/>
+          </p:cNvSpPr>
+          <p:nvPr>
+            <p:ph sz="quarter" idx="1"/>
+          </p:nvPr>
+        </p:nvSpPr>
+        <p:spPr/>
+        <p:txBody>
           <a:bodyPr/>
           <a:lstStyle/>
           <a:p>
@@ -5380,60 +5464,39 @@
               <a:rPr lang="en-US" dirty="0" smtClean="0"/>
               <a:t>Structural Factors</a:t>
             </a:r>
-            <a:endParaRPr lang="en-US" dirty="0"/>
-          </a:p>
-        </p:txBody>
-      </p:sp>
-      <p:sp>
-        <p:nvSpPr>
-          <p:cNvPr id="3" name="Content Placeholder 2"/>
-          <p:cNvSpPr>
-            <a:spLocks noGrp="1"/>
-          </p:cNvSpPr>
-          <p:nvPr>
-            <p:ph sz="quarter" idx="1"/>
-          </p:nvPr>
-        </p:nvSpPr>
-        <p:spPr/>
-        <p:txBody>
-          <a:bodyPr/>
-          <a:lstStyle/>
-          <a:p>
-            <a:r>
-              <a:rPr lang="en-US" dirty="0" smtClean="0"/>
-              <a:t>Why social networks and organizational affiliations?</a:t>
-            </a:r>
-          </a:p>
-          <a:p>
-            <a:pPr lvl="1"/>
-            <a:r>
-              <a:rPr lang="en-US" dirty="0" smtClean="0"/>
-              <a:t>Makes you more likely to interact with movement members who will (1) inform you about social movements and (2) ask you to participate</a:t>
-            </a:r>
-          </a:p>
-          <a:p>
-            <a:endParaRPr lang="en-US" dirty="0"/>
+          </a:p>
+          <a:p>
+            <a:r>
+              <a:rPr lang="en-US" dirty="0" smtClean="0"/>
+              <a:t>Social Psychological Factors</a:t>
+            </a:r>
+          </a:p>
+          <a:p>
+            <a:r>
+              <a:rPr lang="en-US" dirty="0" smtClean="0"/>
+              <a:t>Biographical Factors</a:t>
+            </a:r>
           </a:p>
         </p:txBody>
       </p:sp>
     </p:spTree>
     <p:extLst>
       <p:ext uri="{BB962C8B-B14F-4D97-AF65-F5344CB8AC3E}">
-        <p14:creationId xmlns:p14="http://schemas.microsoft.com/office/powerpoint/2010/main" val="1452160433"/>
+        <p14:creationId xmlns:p14="http://schemas.microsoft.com/office/powerpoint/2010/main" val="4260458665"/>
       </p:ext>
     </p:extLst>
   </p:cSld>
   <p:clrMapOvr>
     <a:masterClrMapping/>
   </p:clrMapOvr>
-  <mc:AlternateContent xmlns:mc="http://schemas.openxmlformats.org/markup-compatibility/2006" xmlns:p14="http://schemas.microsoft.com/office/powerpoint/2010/main">
-    <mc:Choice Requires="p14">
+  <mc:AlternateContent xmlns:mc="http://schemas.openxmlformats.org/markup-compatibility/2006">
+    <mc:Choice xmlns:p14="http://schemas.microsoft.com/office/powerpoint/2010/main" Requires="p14">
       <p:transition spd="med" p14:dur="700">
         <p:fade/>
       </p:transition>
     </mc:Choice>
-    <mc:Fallback xmlns="">
-      <p:transition xmlns:p14="http://schemas.microsoft.com/office/powerpoint/2010/main" spd="med">
+    <mc:Fallback>
+      <p:transition spd="med">
         <p:fade/>
       </p:transition>
     </mc:Fallback>
@@ -5477,7 +5540,7 @@
           <a:p>
             <a:r>
               <a:rPr lang="en-US" dirty="0" smtClean="0"/>
-              <a:t>Practice: Structural Factors for Participation</a:t>
+              <a:t>Differential Recruitment and Participation</a:t>
             </a:r>
             <a:endParaRPr lang="en-US" dirty="0"/>
           </a:p>
@@ -5500,44 +5563,44 @@
           <a:p>
             <a:r>
               <a:rPr lang="en-US" dirty="0" smtClean="0"/>
-              <a:t>Think back to when you participated in an event</a:t>
-            </a:r>
-          </a:p>
-          <a:p>
-            <a:pPr lvl="1"/>
-            <a:r>
-              <a:rPr lang="en-US" dirty="0" smtClean="0"/>
-              <a:t>Protest</a:t>
-            </a:r>
-          </a:p>
-          <a:p>
-            <a:pPr lvl="1"/>
-            <a:r>
-              <a:rPr lang="en-US" dirty="0" smtClean="0"/>
-              <a:t>Meeting</a:t>
-            </a:r>
-          </a:p>
-          <a:p>
-            <a:pPr lvl="1"/>
-            <a:r>
-              <a:rPr lang="en-US" dirty="0" smtClean="0"/>
-              <a:t>Party</a:t>
-            </a:r>
-          </a:p>
-          <a:p>
-            <a:pPr lvl="1"/>
-            <a:endParaRPr lang="en-US" dirty="0"/>
-          </a:p>
-          <a:p>
-            <a:r>
-              <a:rPr lang="en-US" dirty="0" smtClean="0"/>
-              <a:t>How did you hear about the event?</a:t>
-            </a:r>
-          </a:p>
-          <a:p>
-            <a:r>
-              <a:rPr lang="en-US" dirty="0" smtClean="0"/>
-              <a:t>Who asked to you show up?</a:t>
+              <a:t>Structural Factors</a:t>
+            </a:r>
+          </a:p>
+          <a:p>
+            <a:r>
+              <a:rPr lang="en-US" dirty="0" smtClean="0">
+                <a:solidFill>
+                  <a:schemeClr val="bg1">
+                    <a:lumMod val="65000"/>
+                    <a:lumOff val="35000"/>
+                  </a:schemeClr>
+                </a:solidFill>
+              </a:rPr>
+              <a:t>Social Psychological Factors</a:t>
+            </a:r>
+          </a:p>
+          <a:p>
+            <a:r>
+              <a:rPr lang="en-US" dirty="0" smtClean="0">
+                <a:solidFill>
+                  <a:schemeClr val="bg1">
+                    <a:lumMod val="65000"/>
+                    <a:lumOff val="35000"/>
+                  </a:schemeClr>
+                </a:solidFill>
+              </a:rPr>
+              <a:t>Biographic </a:t>
+            </a:r>
+            <a:r>
+              <a:rPr lang="en-US" dirty="0" smtClean="0">
+                <a:solidFill>
+                  <a:schemeClr val="bg1">
+                    <a:lumMod val="65000"/>
+                    <a:lumOff val="35000"/>
+                  </a:schemeClr>
+                </a:solidFill>
+              </a:rPr>
+              <a:t>Factors</a:t>
             </a:r>
           </a:p>
         </p:txBody>
@@ -5545,21 +5608,21 @@
     </p:spTree>
     <p:extLst>
       <p:ext uri="{BB962C8B-B14F-4D97-AF65-F5344CB8AC3E}">
-        <p14:creationId xmlns:p14="http://schemas.microsoft.com/office/powerpoint/2010/main" val="3124366355"/>
+        <p14:creationId xmlns:p14="http://schemas.microsoft.com/office/powerpoint/2010/main" val="379335705"/>
       </p:ext>
     </p:extLst>
   </p:cSld>
   <p:clrMapOvr>
     <a:masterClrMapping/>
   </p:clrMapOvr>
-  <mc:AlternateContent xmlns:mc="http://schemas.openxmlformats.org/markup-compatibility/2006" xmlns:p14="http://schemas.microsoft.com/office/powerpoint/2010/main">
-    <mc:Choice Requires="p14">
+  <mc:AlternateContent xmlns:mc="http://schemas.openxmlformats.org/markup-compatibility/2006">
+    <mc:Choice xmlns:p14="http://schemas.microsoft.com/office/powerpoint/2010/main" Requires="p14">
       <p:transition spd="med" p14:dur="700">
         <p:fade/>
       </p:transition>
     </mc:Choice>
-    <mc:Fallback xmlns="">
-      <p:transition xmlns:p14="http://schemas.microsoft.com/office/powerpoint/2010/main" spd="med">
+    <mc:Fallback>
+      <p:transition spd="med">
         <p:fade/>
       </p:transition>
     </mc:Fallback>
@@ -5596,14 +5659,12 @@
         </p:nvSpPr>
         <p:spPr/>
         <p:txBody>
-          <a:bodyPr>
-            <a:normAutofit/>
-          </a:bodyPr>
-          <a:lstStyle/>
-          <a:p>
-            <a:r>
-              <a:rPr lang="en-US" dirty="0" smtClean="0"/>
-              <a:t>Differential Recruitment and Participation</a:t>
+          <a:bodyPr/>
+          <a:lstStyle/>
+          <a:p>
+            <a:r>
+              <a:rPr lang="en-US" dirty="0" smtClean="0"/>
+              <a:t>Structural Factors</a:t>
             </a:r>
             <a:endParaRPr lang="en-US" dirty="0"/>
           </a:p>
@@ -5626,41 +5687,36 @@
           <a:p>
             <a:r>
               <a:rPr lang="en-US" dirty="0" smtClean="0"/>
-              <a:t>Structural Factors</a:t>
-            </a:r>
-          </a:p>
-          <a:p>
-            <a:r>
-              <a:rPr lang="en-US" dirty="0" smtClean="0"/>
-              <a:t>Social Psychological Factors</a:t>
-            </a:r>
-          </a:p>
-          <a:p>
-            <a:r>
-              <a:rPr lang="en-US" dirty="0" smtClean="0"/>
-              <a:t>Biographical Factors</a:t>
-            </a:r>
+              <a:t>Social networks</a:t>
+            </a:r>
+          </a:p>
+          <a:p>
+            <a:r>
+              <a:rPr lang="en-US" dirty="0" smtClean="0"/>
+              <a:t>Organizational Affiliations</a:t>
+            </a:r>
+            <a:endParaRPr lang="en-US" dirty="0"/>
           </a:p>
         </p:txBody>
       </p:sp>
     </p:spTree>
     <p:extLst>
       <p:ext uri="{BB962C8B-B14F-4D97-AF65-F5344CB8AC3E}">
-        <p14:creationId xmlns:p14="http://schemas.microsoft.com/office/powerpoint/2010/main" val="2131628390"/>
+        <p14:creationId xmlns:p14="http://schemas.microsoft.com/office/powerpoint/2010/main" val="3108738989"/>
       </p:ext>
     </p:extLst>
   </p:cSld>
   <p:clrMapOvr>
     <a:masterClrMapping/>
   </p:clrMapOvr>
-  <mc:AlternateContent xmlns:mc="http://schemas.openxmlformats.org/markup-compatibility/2006" xmlns:p14="http://schemas.microsoft.com/office/powerpoint/2010/main">
-    <mc:Choice Requires="p14">
+  <mc:AlternateContent xmlns:mc="http://schemas.openxmlformats.org/markup-compatibility/2006">
+    <mc:Choice xmlns:p14="http://schemas.microsoft.com/office/powerpoint/2010/main" Requires="p14">
       <p:transition spd="med" p14:dur="700">
         <p:fade/>
       </p:transition>
     </mc:Choice>
-    <mc:Fallback xmlns="">
-      <p:transition xmlns:p14="http://schemas.microsoft.com/office/powerpoint/2010/main" spd="med">
+    <mc:Fallback>
+      <p:transition spd="med">
         <p:fade/>
       </p:transition>
     </mc:Fallback>
@@ -5702,7 +5758,7 @@
           <a:p>
             <a:r>
               <a:rPr lang="en-US" dirty="0" smtClean="0"/>
-              <a:t>Social Psychological Factors</a:t>
+              <a:t>Structural Factors</a:t>
             </a:r>
             <a:endParaRPr lang="en-US" dirty="0"/>
           </a:p>
@@ -5725,14 +5781,17 @@
           <a:p>
             <a:r>
               <a:rPr lang="en-US" dirty="0" smtClean="0"/>
-              <a:t>Collective Efficacy</a:t>
-            </a:r>
-          </a:p>
-          <a:p>
-            <a:r>
-              <a:rPr lang="en-US" dirty="0" smtClean="0"/>
-              <a:t>Collective Identity</a:t>
-            </a:r>
+              <a:t>Why social networks and organizational affiliations?</a:t>
+            </a:r>
+          </a:p>
+          <a:p>
+            <a:pPr lvl="1"/>
+            <a:r>
+              <a:rPr lang="en-US" dirty="0" smtClean="0"/>
+              <a:t>Makes you more likely to interact with movement members who will (1) inform you about social movements and (2) ask you to participate</a:t>
+            </a:r>
+          </a:p>
+          <a:p>
             <a:endParaRPr lang="en-US" dirty="0"/>
           </a:p>
         </p:txBody>
@@ -5740,21 +5799,21 @@
     </p:spTree>
     <p:extLst>
       <p:ext uri="{BB962C8B-B14F-4D97-AF65-F5344CB8AC3E}">
-        <p14:creationId xmlns:p14="http://schemas.microsoft.com/office/powerpoint/2010/main" val="2751706127"/>
+        <p14:creationId xmlns:p14="http://schemas.microsoft.com/office/powerpoint/2010/main" val="1452160433"/>
       </p:ext>
     </p:extLst>
   </p:cSld>
   <p:clrMapOvr>
     <a:masterClrMapping/>
   </p:clrMapOvr>
-  <mc:AlternateContent xmlns:mc="http://schemas.openxmlformats.org/markup-compatibility/2006" xmlns:p14="http://schemas.microsoft.com/office/powerpoint/2010/main">
-    <mc:Choice Requires="p14">
+  <mc:AlternateContent xmlns:mc="http://schemas.openxmlformats.org/markup-compatibility/2006">
+    <mc:Choice xmlns:p14="http://schemas.microsoft.com/office/powerpoint/2010/main" Requires="p14">
       <p:transition spd="med" p14:dur="700">
         <p:fade/>
       </p:transition>
     </mc:Choice>
-    <mc:Fallback xmlns="">
-      <p:transition xmlns:p14="http://schemas.microsoft.com/office/powerpoint/2010/main" spd="med">
+    <mc:Fallback>
+      <p:transition spd="med">
         <p:fade/>
       </p:transition>
     </mc:Fallback>
@@ -5791,12 +5850,18 @@
         </p:nvSpPr>
         <p:spPr/>
         <p:txBody>
-          <a:bodyPr/>
-          <a:lstStyle/>
-          <a:p>
-            <a:r>
-              <a:rPr lang="en-US" dirty="0" smtClean="0"/>
-              <a:t>Social Psychological Factors</a:t>
+          <a:bodyPr>
+            <a:normAutofit/>
+          </a:bodyPr>
+          <a:lstStyle/>
+          <a:p>
+            <a:r>
+              <a:rPr lang="en-US" dirty="0" smtClean="0"/>
+              <a:t>Exercise: </a:t>
+            </a:r>
+            <a:r>
+              <a:rPr lang="en-US" dirty="0" smtClean="0"/>
+              <a:t>Structural Factors for Participation</a:t>
             </a:r>
             <a:endParaRPr lang="en-US" dirty="0"/>
           </a:p>
@@ -5819,37 +5884,66 @@
           <a:p>
             <a:r>
               <a:rPr lang="en-US" dirty="0" smtClean="0"/>
-              <a:t>Why collective efficacy and collective identity?</a:t>
+              <a:t>Think back to when you participated in an event</a:t>
             </a:r>
           </a:p>
           <a:p>
             <a:pPr lvl="1"/>
             <a:r>
               <a:rPr lang="en-US" dirty="0" smtClean="0"/>
-              <a:t>You’re more likely to participate if you believe that (1) by working together, with (2) others who share a sense of “one-ness” with you, you can bring about your desired outcome</a:t>
-            </a:r>
+              <a:t>Protest</a:t>
+            </a:r>
+          </a:p>
+          <a:p>
+            <a:pPr lvl="1"/>
+            <a:r>
+              <a:rPr lang="en-US" dirty="0" smtClean="0"/>
+              <a:t>Meeting</a:t>
+            </a:r>
+          </a:p>
+          <a:p>
+            <a:pPr lvl="1"/>
+            <a:r>
+              <a:rPr lang="en-US" dirty="0" smtClean="0"/>
+              <a:t>Party</a:t>
+            </a:r>
+          </a:p>
+          <a:p>
+            <a:pPr lvl="1"/>
             <a:endParaRPr lang="en-US" dirty="0"/>
+          </a:p>
+          <a:p>
+            <a:r>
+              <a:rPr lang="en-US" dirty="0" smtClean="0"/>
+              <a:t>How did you hear about the event?</a:t>
+            </a:r>
+          </a:p>
+          <a:p>
+            <a:r>
+              <a:rPr lang="en-US" dirty="0" smtClean="0"/>
+              <a:t>Who asked to you show up?</a:t>
+            </a:r>
           </a:p>
         </p:txBody>
       </p:sp>
     </p:spTree>
     <p:extLst>
       <p:ext uri="{BB962C8B-B14F-4D97-AF65-F5344CB8AC3E}">
-        <p14:creationId xmlns:p14="http://schemas.microsoft.com/office/powerpoint/2010/main" val="2562870749"/>
+        <p14:creationId xmlns:p14="http://schemas.microsoft.com/office/powerpoint/2010/main" val="3124366355"/>
       </p:ext>
     </p:extLst>
   </p:cSld>
   <p:clrMapOvr>
     <a:masterClrMapping/>
   </p:clrMapOvr>
-  <mc:AlternateContent xmlns:mc="http://schemas.openxmlformats.org/markup-compatibility/2006" xmlns:p14="http://schemas.microsoft.com/office/powerpoint/2010/main">
-    <mc:Choice Requires="p14">
+  <mc:AlternateContent xmlns:mc="http://schemas.openxmlformats.org/markup-compatibility/2006">
+    <mc:Choice xmlns:p14="http://schemas.microsoft.com/office/powerpoint/2010/main" Requires="p14">
       <p:transition spd="med" p14:dur="700">
         <p:fade/>
       </p:transition>
     </mc:Choice>
-    <mc:Fallback xmlns="">
-      <p:transition xmlns:p14="http://schemas.microsoft.com/office/powerpoint/2010/main" spd="med">
+    <mc:Fallback>
+      <p:transition spd="med">
         <p:fade/>
       </p:transition>
     </mc:Fallback>
@@ -5886,55 +5980,74 @@
         </p:nvSpPr>
         <p:spPr/>
         <p:txBody>
-          <a:bodyPr/>
-          <a:lstStyle/>
+          <a:bodyPr>
+            <a:normAutofit/>
+          </a:bodyPr>
+          <a:lstStyle/>
+          <a:p>
+            <a:r>
+              <a:rPr lang="en-US" dirty="0" smtClean="0"/>
+              <a:t>Differential Recruitment and Participation</a:t>
+            </a:r>
+            <a:endParaRPr lang="en-US" dirty="0"/>
+          </a:p>
+        </p:txBody>
+      </p:sp>
+      <p:sp>
+        <p:nvSpPr>
+          <p:cNvPr id="3" name="Content Placeholder 2"/>
+          <p:cNvSpPr>
+            <a:spLocks noGrp="1"/>
+          </p:cNvSpPr>
+          <p:nvPr>
+            <p:ph sz="quarter" idx="1"/>
+          </p:nvPr>
+        </p:nvSpPr>
+        <p:spPr/>
+        <p:txBody>
+          <a:bodyPr/>
+          <a:lstStyle/>
+          <a:p>
+            <a:r>
+              <a:rPr lang="en-US" dirty="0" smtClean="0">
+                <a:solidFill>
+                  <a:schemeClr val="bg1">
+                    <a:lumMod val="65000"/>
+                    <a:lumOff val="35000"/>
+                  </a:schemeClr>
+                </a:solidFill>
+              </a:rPr>
+              <a:t>Structural Factors</a:t>
+            </a:r>
+          </a:p>
           <a:p>
             <a:r>
               <a:rPr lang="en-US" dirty="0" smtClean="0"/>
               <a:t>Social Psychological Factors</a:t>
             </a:r>
-            <a:endParaRPr lang="en-US" dirty="0"/>
-          </a:p>
-        </p:txBody>
-      </p:sp>
-      <p:sp>
-        <p:nvSpPr>
-          <p:cNvPr id="3" name="Content Placeholder 2"/>
-          <p:cNvSpPr>
-            <a:spLocks noGrp="1"/>
-          </p:cNvSpPr>
-          <p:nvPr>
-            <p:ph sz="quarter" idx="1"/>
-          </p:nvPr>
-        </p:nvSpPr>
-        <p:spPr/>
-        <p:txBody>
-          <a:bodyPr/>
-          <a:lstStyle/>
-          <a:p>
-            <a:r>
-              <a:rPr lang="en-US" dirty="0" smtClean="0"/>
-              <a:t>Personal Efficacy</a:t>
-            </a:r>
-          </a:p>
-          <a:p>
-            <a:pPr lvl="1"/>
-            <a:r>
-              <a:rPr lang="en-US" dirty="0" smtClean="0"/>
-              <a:t>Belief that you have the capacity to make a difference</a:t>
-            </a:r>
-          </a:p>
-          <a:p>
-            <a:r>
-              <a:rPr lang="en-US" dirty="0" smtClean="0"/>
-              <a:t>Collective Efficacy</a:t>
-            </a:r>
-          </a:p>
-          <a:p>
-            <a:pPr lvl="1"/>
-            <a:r>
-              <a:rPr lang="en-US" dirty="0" smtClean="0"/>
-              <a:t>Belief that you can make a difference by working together, collectively</a:t>
+          </a:p>
+          <a:p>
+            <a:r>
+              <a:rPr lang="en-US" dirty="0" smtClean="0">
+                <a:solidFill>
+                  <a:schemeClr val="bg1">
+                    <a:lumMod val="65000"/>
+                    <a:lumOff val="35000"/>
+                  </a:schemeClr>
+                </a:solidFill>
+              </a:rPr>
+              <a:t>Biographic </a:t>
+            </a:r>
+            <a:r>
+              <a:rPr lang="en-US" dirty="0" smtClean="0">
+                <a:solidFill>
+                  <a:schemeClr val="bg1">
+                    <a:lumMod val="65000"/>
+                    <a:lumOff val="35000"/>
+                  </a:schemeClr>
+                </a:solidFill>
+              </a:rPr>
+              <a:t>Factors</a:t>
             </a:r>
           </a:p>
         </p:txBody>
@@ -5942,21 +6055,21 @@
     </p:spTree>
     <p:extLst>
       <p:ext uri="{BB962C8B-B14F-4D97-AF65-F5344CB8AC3E}">
-        <p14:creationId xmlns:p14="http://schemas.microsoft.com/office/powerpoint/2010/main" val="1782051284"/>
+        <p14:creationId xmlns:p14="http://schemas.microsoft.com/office/powerpoint/2010/main" val="2131628390"/>
       </p:ext>
     </p:extLst>
   </p:cSld>
   <p:clrMapOvr>
     <a:masterClrMapping/>
   </p:clrMapOvr>
-  <mc:AlternateContent xmlns:mc="http://schemas.openxmlformats.org/markup-compatibility/2006" xmlns:p14="http://schemas.microsoft.com/office/powerpoint/2010/main">
-    <mc:Choice Requires="p14">
+  <mc:AlternateContent xmlns:mc="http://schemas.openxmlformats.org/markup-compatibility/2006">
+    <mc:Choice xmlns:p14="http://schemas.microsoft.com/office/powerpoint/2010/main" Requires="p14">
       <p:transition spd="med" p14:dur="700">
         <p:fade/>
       </p:transition>
     </mc:Choice>
-    <mc:Fallback xmlns="">
-      <p:transition xmlns:p14="http://schemas.microsoft.com/office/powerpoint/2010/main" spd="med">
+    <mc:Fallback>
+      <p:transition spd="med">
         <p:fade/>
       </p:transition>
     </mc:Fallback>
@@ -5998,7 +6111,7 @@
           <a:p>
             <a:r>
               <a:rPr lang="en-US" dirty="0" smtClean="0"/>
-              <a:t>Main Questions on Participation</a:t>
+              <a:t>Questions about Participation</a:t>
             </a:r>
             <a:endParaRPr lang="en-US" dirty="0"/>
           </a:p>
@@ -6027,7 +6140,11 @@
           <a:p>
             <a:r>
               <a:rPr lang="en-US" dirty="0" smtClean="0"/>
-              <a:t>Why is participation sustained?</a:t>
+              <a:t>How is </a:t>
+            </a:r>
+            <a:r>
+              <a:rPr lang="en-US" dirty="0" smtClean="0"/>
+              <a:t>participation sustained?</a:t>
             </a:r>
           </a:p>
           <a:p>
@@ -6049,14 +6166,14 @@
   <p:clrMapOvr>
     <a:masterClrMapping/>
   </p:clrMapOvr>
-  <mc:AlternateContent xmlns:mc="http://schemas.openxmlformats.org/markup-compatibility/2006" xmlns:p14="http://schemas.microsoft.com/office/powerpoint/2010/main">
-    <mc:Choice Requires="p14">
+  <mc:AlternateContent xmlns:mc="http://schemas.openxmlformats.org/markup-compatibility/2006">
+    <mc:Choice xmlns:p14="http://schemas.microsoft.com/office/powerpoint/2010/main" Requires="p14">
       <p:transition spd="med" p14:dur="700">
         <p:fade/>
       </p:transition>
     </mc:Choice>
-    <mc:Fallback xmlns="">
-      <p:transition xmlns:p14="http://schemas.microsoft.com/office/powerpoint/2010/main" spd="med">
+    <mc:Fallback>
+      <p:transition spd="med">
         <p:fade/>
       </p:transition>
     </mc:Fallback>
@@ -6121,28 +6238,13 @@
           <a:p>
             <a:r>
               <a:rPr lang="en-US" dirty="0" smtClean="0"/>
+              <a:t>Collective Efficacy</a:t>
+            </a:r>
+          </a:p>
+          <a:p>
+            <a:r>
+              <a:rPr lang="en-US" dirty="0" smtClean="0"/>
               <a:t>Collective Identity</a:t>
-            </a:r>
-          </a:p>
-          <a:p>
-            <a:pPr lvl="1"/>
-            <a:r>
-              <a:rPr lang="en-US" dirty="0" smtClean="0"/>
-              <a:t>Sense of shared experiences with others</a:t>
-            </a:r>
-          </a:p>
-          <a:p>
-            <a:pPr lvl="1"/>
-            <a:r>
-              <a:rPr lang="en-US" dirty="0" smtClean="0"/>
-              <a:t>Can empathize with you</a:t>
-            </a:r>
-          </a:p>
-          <a:p>
-            <a:pPr lvl="1"/>
-            <a:r>
-              <a:rPr lang="en-US" dirty="0" smtClean="0"/>
-              <a:t>Strong sense of identification with social category</a:t>
             </a:r>
             <a:endParaRPr lang="en-US" dirty="0"/>
           </a:p>
@@ -6151,21 +6253,21 @@
     </p:spTree>
     <p:extLst>
       <p:ext uri="{BB962C8B-B14F-4D97-AF65-F5344CB8AC3E}">
-        <p14:creationId xmlns:p14="http://schemas.microsoft.com/office/powerpoint/2010/main" val="163009760"/>
+        <p14:creationId xmlns:p14="http://schemas.microsoft.com/office/powerpoint/2010/main" val="2751706127"/>
       </p:ext>
     </p:extLst>
   </p:cSld>
   <p:clrMapOvr>
     <a:masterClrMapping/>
   </p:clrMapOvr>
-  <mc:AlternateContent xmlns:mc="http://schemas.openxmlformats.org/markup-compatibility/2006" xmlns:p14="http://schemas.microsoft.com/office/powerpoint/2010/main">
-    <mc:Choice Requires="p14">
+  <mc:AlternateContent xmlns:mc="http://schemas.openxmlformats.org/markup-compatibility/2006">
+    <mc:Choice xmlns:p14="http://schemas.microsoft.com/office/powerpoint/2010/main" Requires="p14">
       <p:transition spd="med" p14:dur="700">
         <p:fade/>
       </p:transition>
     </mc:Choice>
-    <mc:Fallback xmlns="">
-      <p:transition xmlns:p14="http://schemas.microsoft.com/office/powerpoint/2010/main" spd="med">
+    <mc:Fallback>
+      <p:transition spd="med">
         <p:fade/>
       </p:transition>
     </mc:Fallback>
@@ -6202,14 +6304,12 @@
         </p:nvSpPr>
         <p:spPr/>
         <p:txBody>
-          <a:bodyPr>
-            <a:normAutofit/>
-          </a:bodyPr>
-          <a:lstStyle/>
-          <a:p>
-            <a:r>
-              <a:rPr lang="en-US" dirty="0" smtClean="0"/>
-              <a:t>Differential Recruitment and Participation</a:t>
+          <a:bodyPr/>
+          <a:lstStyle/>
+          <a:p>
+            <a:r>
+              <a:rPr lang="en-US" dirty="0" smtClean="0"/>
+              <a:t>Social Psychological Factors</a:t>
             </a:r>
             <a:endParaRPr lang="en-US" dirty="0"/>
           </a:p>
@@ -6232,19 +6332,27 @@
           <a:p>
             <a:r>
               <a:rPr lang="en-US" dirty="0" smtClean="0"/>
-              <a:t>Structural Factors</a:t>
-            </a:r>
-          </a:p>
-          <a:p>
-            <a:r>
-              <a:rPr lang="en-US" dirty="0" smtClean="0"/>
-              <a:t>Social Psychological Factors</a:t>
-            </a:r>
-          </a:p>
-          <a:p>
-            <a:r>
-              <a:rPr lang="en-US" dirty="0" smtClean="0"/>
-              <a:t>Biographical Factors</a:t>
+              <a:t>Personal Efficacy</a:t>
+            </a:r>
+          </a:p>
+          <a:p>
+            <a:pPr lvl="1"/>
+            <a:r>
+              <a:rPr lang="en-US" dirty="0" smtClean="0"/>
+              <a:t>Belief that you have the capacity to make a difference</a:t>
+            </a:r>
+          </a:p>
+          <a:p>
+            <a:r>
+              <a:rPr lang="en-US" dirty="0" smtClean="0"/>
+              <a:t>Collective Efficacy</a:t>
+            </a:r>
+          </a:p>
+          <a:p>
+            <a:pPr lvl="1"/>
+            <a:r>
+              <a:rPr lang="en-US" dirty="0" smtClean="0"/>
+              <a:t>Belief that you can make a difference by working together, collectively</a:t>
             </a:r>
           </a:p>
         </p:txBody>
@@ -6252,21 +6360,21 @@
     </p:spTree>
     <p:extLst>
       <p:ext uri="{BB962C8B-B14F-4D97-AF65-F5344CB8AC3E}">
-        <p14:creationId xmlns:p14="http://schemas.microsoft.com/office/powerpoint/2010/main" val="2366992669"/>
+        <p14:creationId xmlns:p14="http://schemas.microsoft.com/office/powerpoint/2010/main" val="1782051284"/>
       </p:ext>
     </p:extLst>
   </p:cSld>
   <p:clrMapOvr>
     <a:masterClrMapping/>
   </p:clrMapOvr>
-  <mc:AlternateContent xmlns:mc="http://schemas.openxmlformats.org/markup-compatibility/2006" xmlns:p14="http://schemas.microsoft.com/office/powerpoint/2010/main">
-    <mc:Choice Requires="p14">
+  <mc:AlternateContent xmlns:mc="http://schemas.openxmlformats.org/markup-compatibility/2006">
+    <mc:Choice xmlns:p14="http://schemas.microsoft.com/office/powerpoint/2010/main" Requires="p14">
       <p:transition spd="med" p14:dur="700">
         <p:fade/>
       </p:transition>
     </mc:Choice>
-    <mc:Fallback xmlns="">
-      <p:transition xmlns:p14="http://schemas.microsoft.com/office/powerpoint/2010/main" spd="med">
+    <mc:Fallback>
+      <p:transition spd="med">
         <p:fade/>
       </p:transition>
     </mc:Fallback>
@@ -6308,7 +6416,7 @@
           <a:p>
             <a:r>
               <a:rPr lang="en-US" dirty="0" smtClean="0"/>
-              <a:t>Biographical Factors</a:t>
+              <a:t>Social Psychological Factors</a:t>
             </a:r>
             <a:endParaRPr lang="en-US" dirty="0"/>
           </a:p>
@@ -6331,44 +6439,51 @@
           <a:p>
             <a:r>
               <a:rPr lang="en-US" dirty="0" smtClean="0"/>
-              <a:t>Socialization</a:t>
-            </a:r>
-          </a:p>
-          <a:p>
-            <a:r>
-              <a:rPr lang="en-US" dirty="0" smtClean="0"/>
-              <a:t>Prior History with Politics and Movements</a:t>
-            </a:r>
-          </a:p>
-          <a:p>
-            <a:r>
-              <a:rPr lang="en-US" dirty="0" smtClean="0"/>
-              <a:t>Biographical Availability</a:t>
-            </a:r>
-          </a:p>
-          <a:p>
-            <a:endParaRPr lang="en-US" dirty="0" smtClean="0"/>
+              <a:t>Collective Identity</a:t>
+            </a:r>
+          </a:p>
+          <a:p>
+            <a:pPr lvl="1"/>
+            <a:r>
+              <a:rPr lang="en-US" dirty="0" smtClean="0"/>
+              <a:t>Sense of shared experiences with others</a:t>
+            </a:r>
+          </a:p>
+          <a:p>
+            <a:pPr lvl="1"/>
+            <a:r>
+              <a:rPr lang="en-US" dirty="0" smtClean="0"/>
+              <a:t>Can empathize with you</a:t>
+            </a:r>
+          </a:p>
+          <a:p>
+            <a:pPr lvl="1"/>
+            <a:r>
+              <a:rPr lang="en-US" dirty="0" smtClean="0"/>
+              <a:t>Strong sense of identification with social category</a:t>
+            </a:r>
+            <a:endParaRPr lang="en-US" dirty="0"/>
           </a:p>
         </p:txBody>
       </p:sp>
     </p:spTree>
     <p:extLst>
       <p:ext uri="{BB962C8B-B14F-4D97-AF65-F5344CB8AC3E}">
-        <p14:creationId xmlns:p14="http://schemas.microsoft.com/office/powerpoint/2010/main" val="3716066285"/>
+        <p14:creationId xmlns:p14="http://schemas.microsoft.com/office/powerpoint/2010/main" val="163009760"/>
       </p:ext>
     </p:extLst>
   </p:cSld>
   <p:clrMapOvr>
     <a:masterClrMapping/>
   </p:clrMapOvr>
-  <mc:AlternateContent xmlns:mc="http://schemas.openxmlformats.org/markup-compatibility/2006" xmlns:p14="http://schemas.microsoft.com/office/powerpoint/2010/main">
-    <mc:Choice Requires="p14">
+  <mc:AlternateContent xmlns:mc="http://schemas.openxmlformats.org/markup-compatibility/2006">
+    <mc:Choice xmlns:p14="http://schemas.microsoft.com/office/powerpoint/2010/main" Requires="p14">
       <p:transition spd="med" p14:dur="700">
         <p:fade/>
       </p:transition>
     </mc:Choice>
-    <mc:Fallback xmlns="">
-      <p:transition xmlns:p14="http://schemas.microsoft.com/office/powerpoint/2010/main" spd="med">
+    <mc:Fallback>
+      <p:transition spd="med">
         <p:fade/>
       </p:transition>
     </mc:Fallback>
@@ -6410,7 +6525,7 @@
           <a:p>
             <a:r>
               <a:rPr lang="en-US" dirty="0" smtClean="0"/>
-              <a:t>Biographical Factors</a:t>
+              <a:t>Social Psychological Factors</a:t>
             </a:r>
             <a:endParaRPr lang="en-US" dirty="0"/>
           </a:p>
@@ -6433,14 +6548,14 @@
           <a:p>
             <a:r>
               <a:rPr lang="en-US" dirty="0" smtClean="0"/>
-              <a:t>Why socialization, past experiences, and availability?</a:t>
+              <a:t>Why collective efficacy and collective identity?</a:t>
             </a:r>
           </a:p>
           <a:p>
             <a:pPr lvl="1"/>
             <a:r>
               <a:rPr lang="en-US" dirty="0" smtClean="0"/>
-              <a:t>In the past or in the present, you are/were (1) open to participating in politic or movements and (2) you have/had the time to do so</a:t>
+              <a:t>You’re more likely to participate if you believe that (1) by working together, with (2) others who share a sense of “one-ness” with you, you can bring about your desired outcome</a:t>
             </a:r>
             <a:endParaRPr lang="en-US" dirty="0"/>
           </a:p>
@@ -6449,21 +6564,21 @@
     </p:spTree>
     <p:extLst>
       <p:ext uri="{BB962C8B-B14F-4D97-AF65-F5344CB8AC3E}">
-        <p14:creationId xmlns:p14="http://schemas.microsoft.com/office/powerpoint/2010/main" val="2961019417"/>
+        <p14:creationId xmlns:p14="http://schemas.microsoft.com/office/powerpoint/2010/main" val="2562870749"/>
       </p:ext>
     </p:extLst>
   </p:cSld>
   <p:clrMapOvr>
     <a:masterClrMapping/>
   </p:clrMapOvr>
-  <mc:AlternateContent xmlns:mc="http://schemas.openxmlformats.org/markup-compatibility/2006" xmlns:p14="http://schemas.microsoft.com/office/powerpoint/2010/main">
-    <mc:Choice Requires="p14">
+  <mc:AlternateContent xmlns:mc="http://schemas.openxmlformats.org/markup-compatibility/2006">
+    <mc:Choice xmlns:p14="http://schemas.microsoft.com/office/powerpoint/2010/main" Requires="p14">
       <p:transition spd="med" p14:dur="700">
         <p:fade/>
       </p:transition>
     </mc:Choice>
-    <mc:Fallback xmlns="">
-      <p:transition xmlns:p14="http://schemas.microsoft.com/office/powerpoint/2010/main" spd="med">
+    <mc:Fallback>
+      <p:transition spd="med">
         <p:fade/>
       </p:transition>
     </mc:Fallback>
@@ -6500,12 +6615,14 @@
         </p:nvSpPr>
         <p:spPr/>
         <p:txBody>
-          <a:bodyPr/>
-          <a:lstStyle/>
-          <a:p>
-            <a:r>
-              <a:rPr lang="en-US" dirty="0" smtClean="0"/>
-              <a:t>Biographical Factors</a:t>
+          <a:bodyPr>
+            <a:normAutofit/>
+          </a:bodyPr>
+          <a:lstStyle/>
+          <a:p>
+            <a:r>
+              <a:rPr lang="en-US" dirty="0" smtClean="0"/>
+              <a:t>Differential Recruitment and Participation</a:t>
             </a:r>
             <a:endParaRPr lang="en-US" dirty="0"/>
           </a:p>
@@ -6527,22 +6644,38 @@
           <a:lstStyle/>
           <a:p>
             <a:r>
-              <a:rPr lang="en-US" dirty="0" smtClean="0"/>
-              <a:t>Socialization</a:t>
-            </a:r>
-          </a:p>
-          <a:p>
-            <a:pPr lvl="1"/>
-            <a:r>
-              <a:rPr lang="en-US" dirty="0" smtClean="0"/>
-              <a:t>Raised to know and appreciate political activity as one of your norms/values</a:t>
-            </a:r>
-          </a:p>
-          <a:p>
-            <a:pPr lvl="1"/>
-            <a:r>
-              <a:rPr lang="en-US" dirty="0" smtClean="0"/>
-              <a:t>Comes from parents or primary groups</a:t>
+              <a:rPr lang="en-US" dirty="0" smtClean="0">
+                <a:solidFill>
+                  <a:schemeClr val="bg1">
+                    <a:lumMod val="65000"/>
+                    <a:lumOff val="35000"/>
+                  </a:schemeClr>
+                </a:solidFill>
+              </a:rPr>
+              <a:t>Structural Factors</a:t>
+            </a:r>
+          </a:p>
+          <a:p>
+            <a:r>
+              <a:rPr lang="en-US" dirty="0" smtClean="0">
+                <a:solidFill>
+                  <a:schemeClr val="bg1">
+                    <a:lumMod val="65000"/>
+                    <a:lumOff val="35000"/>
+                  </a:schemeClr>
+                </a:solidFill>
+              </a:rPr>
+              <a:t>Social Psychological Factors</a:t>
+            </a:r>
+          </a:p>
+          <a:p>
+            <a:r>
+              <a:rPr lang="en-US" dirty="0" smtClean="0"/>
+              <a:t>Biographic </a:t>
+            </a:r>
+            <a:r>
+              <a:rPr lang="en-US" dirty="0" smtClean="0"/>
+              <a:t>Factors</a:t>
             </a:r>
           </a:p>
         </p:txBody>
@@ -6550,21 +6683,21 @@
     </p:spTree>
     <p:extLst>
       <p:ext uri="{BB962C8B-B14F-4D97-AF65-F5344CB8AC3E}">
-        <p14:creationId xmlns:p14="http://schemas.microsoft.com/office/powerpoint/2010/main" val="625160635"/>
+        <p14:creationId xmlns:p14="http://schemas.microsoft.com/office/powerpoint/2010/main" val="2366992669"/>
       </p:ext>
     </p:extLst>
   </p:cSld>
   <p:clrMapOvr>
     <a:masterClrMapping/>
   </p:clrMapOvr>
-  <mc:AlternateContent xmlns:mc="http://schemas.openxmlformats.org/markup-compatibility/2006" xmlns:p14="http://schemas.microsoft.com/office/powerpoint/2010/main">
-    <mc:Choice Requires="p14">
+  <mc:AlternateContent xmlns:mc="http://schemas.openxmlformats.org/markup-compatibility/2006">
+    <mc:Choice xmlns:p14="http://schemas.microsoft.com/office/powerpoint/2010/main" Requires="p14">
       <p:transition spd="med" p14:dur="700">
         <p:fade/>
       </p:transition>
     </mc:Choice>
-    <mc:Fallback xmlns="">
-      <p:transition xmlns:p14="http://schemas.microsoft.com/office/powerpoint/2010/main" spd="med">
+    <mc:Fallback>
+      <p:transition spd="med">
         <p:fade/>
       </p:transition>
     </mc:Fallback>
@@ -6606,7 +6739,11 @@
           <a:p>
             <a:r>
               <a:rPr lang="en-US" dirty="0" smtClean="0"/>
-              <a:t>Practice: Socialization</a:t>
+              <a:t>Biographic </a:t>
+            </a:r>
+            <a:r>
+              <a:rPr lang="en-US" dirty="0" smtClean="0"/>
+              <a:t>Factors</a:t>
             </a:r>
             <a:endParaRPr lang="en-US" dirty="0"/>
           </a:p>
@@ -6629,42 +6766,44 @@
           <a:p>
             <a:r>
               <a:rPr lang="en-US" dirty="0" smtClean="0"/>
-              <a:t>How many of your vote?</a:t>
-            </a:r>
-          </a:p>
-          <a:p>
-            <a:r>
-              <a:rPr lang="en-US" dirty="0" smtClean="0"/>
-              <a:t>How many of your parents vote?</a:t>
-            </a:r>
-          </a:p>
-          <a:p>
-            <a:r>
-              <a:rPr lang="en-US" dirty="0" smtClean="0"/>
-              <a:t>What kinds of things did your parents say about voting, in general?</a:t>
-            </a:r>
-            <a:endParaRPr lang="en-US" dirty="0"/>
+              <a:t>Socialization</a:t>
+            </a:r>
+          </a:p>
+          <a:p>
+            <a:r>
+              <a:rPr lang="en-US" dirty="0" smtClean="0"/>
+              <a:t>Prior History with Politics and Movements</a:t>
+            </a:r>
+          </a:p>
+          <a:p>
+            <a:r>
+              <a:rPr lang="en-US" dirty="0" smtClean="0"/>
+              <a:t>Biographical Availability</a:t>
+            </a:r>
+          </a:p>
+          <a:p>
+            <a:endParaRPr lang="en-US" dirty="0" smtClean="0"/>
           </a:p>
         </p:txBody>
       </p:sp>
     </p:spTree>
     <p:extLst>
       <p:ext uri="{BB962C8B-B14F-4D97-AF65-F5344CB8AC3E}">
-        <p14:creationId xmlns:p14="http://schemas.microsoft.com/office/powerpoint/2010/main" val="2474027482"/>
+        <p14:creationId xmlns:p14="http://schemas.microsoft.com/office/powerpoint/2010/main" val="3716066285"/>
       </p:ext>
     </p:extLst>
   </p:cSld>
   <p:clrMapOvr>
     <a:masterClrMapping/>
   </p:clrMapOvr>
-  <mc:AlternateContent xmlns:mc="http://schemas.openxmlformats.org/markup-compatibility/2006" xmlns:p14="http://schemas.microsoft.com/office/powerpoint/2010/main">
-    <mc:Choice Requires="p14">
+  <mc:AlternateContent xmlns:mc="http://schemas.openxmlformats.org/markup-compatibility/2006">
+    <mc:Choice xmlns:p14="http://schemas.microsoft.com/office/powerpoint/2010/main" Requires="p14">
       <p:transition spd="med" p14:dur="700">
         <p:fade/>
       </p:transition>
     </mc:Choice>
-    <mc:Fallback xmlns="">
-      <p:transition xmlns:p14="http://schemas.microsoft.com/office/powerpoint/2010/main" spd="med">
+    <mc:Fallback>
+      <p:transition spd="med">
         <p:fade/>
       </p:transition>
     </mc:Fallback>
@@ -6706,7 +6845,11 @@
           <a:p>
             <a:r>
               <a:rPr lang="en-US" dirty="0" smtClean="0"/>
-              <a:t>Biographical Factors</a:t>
+              <a:t>Biographic </a:t>
+            </a:r>
+            <a:r>
+              <a:rPr lang="en-US" dirty="0" smtClean="0"/>
+              <a:t>Factors</a:t>
             </a:r>
             <a:endParaRPr lang="en-US" dirty="0"/>
           </a:p>
@@ -6729,37 +6872,43 @@
           <a:p>
             <a:r>
               <a:rPr lang="en-US" dirty="0" smtClean="0"/>
-              <a:t>Prior engagement in politics</a:t>
+              <a:t>Socialization</a:t>
             </a:r>
           </a:p>
           <a:p>
             <a:pPr lvl="1"/>
             <a:r>
               <a:rPr lang="en-US" dirty="0" smtClean="0"/>
-              <a:t>Those who are interested, knowledgeable about, and enjoy discussion about politics are more likely to participate</a:t>
-            </a:r>
-            <a:endParaRPr lang="en-US" dirty="0"/>
+              <a:t>Raised to know and appreciate political activity as one of your norms/values</a:t>
+            </a:r>
+          </a:p>
+          <a:p>
+            <a:pPr lvl="1"/>
+            <a:r>
+              <a:rPr lang="en-US" dirty="0" smtClean="0"/>
+              <a:t>Comes from parents or primary groups</a:t>
+            </a:r>
           </a:p>
         </p:txBody>
       </p:sp>
     </p:spTree>
     <p:extLst>
       <p:ext uri="{BB962C8B-B14F-4D97-AF65-F5344CB8AC3E}">
-        <p14:creationId xmlns:p14="http://schemas.microsoft.com/office/powerpoint/2010/main" val="1471981515"/>
+        <p14:creationId xmlns:p14="http://schemas.microsoft.com/office/powerpoint/2010/main" val="625160635"/>
       </p:ext>
     </p:extLst>
   </p:cSld>
   <p:clrMapOvr>
     <a:masterClrMapping/>
   </p:clrMapOvr>
-  <mc:AlternateContent xmlns:mc="http://schemas.openxmlformats.org/markup-compatibility/2006" xmlns:p14="http://schemas.microsoft.com/office/powerpoint/2010/main">
-    <mc:Choice Requires="p14">
+  <mc:AlternateContent xmlns:mc="http://schemas.openxmlformats.org/markup-compatibility/2006">
+    <mc:Choice xmlns:p14="http://schemas.microsoft.com/office/powerpoint/2010/main" Requires="p14">
       <p:transition spd="med" p14:dur="700">
         <p:fade/>
       </p:transition>
     </mc:Choice>
-    <mc:Fallback xmlns="">
-      <p:transition xmlns:p14="http://schemas.microsoft.com/office/powerpoint/2010/main" spd="med">
+    <mc:Fallback>
+      <p:transition spd="med">
         <p:fade/>
       </p:transition>
     </mc:Fallback>
@@ -6801,7 +6950,11 @@
           <a:p>
             <a:r>
               <a:rPr lang="en-US" dirty="0" smtClean="0"/>
-              <a:t>Biographical Factors</a:t>
+              <a:t>Exercise: </a:t>
+            </a:r>
+            <a:r>
+              <a:rPr lang="en-US" dirty="0" smtClean="0"/>
+              <a:t>Socialization</a:t>
             </a:r>
             <a:endParaRPr lang="en-US" dirty="0"/>
           </a:p>
@@ -6824,42 +6977,27 @@
           <a:p>
             <a:r>
               <a:rPr lang="en-US" dirty="0" smtClean="0"/>
-              <a:t>Biographic availability</a:t>
-            </a:r>
-          </a:p>
-          <a:p>
-            <a:pPr lvl="1"/>
-            <a:r>
-              <a:rPr lang="en-US" dirty="0" smtClean="0"/>
-              <a:t>Lifestyle characteristics that alter the costs and risks associated with participation</a:t>
-            </a:r>
-          </a:p>
-          <a:p>
-            <a:pPr lvl="1"/>
-            <a:r>
-              <a:rPr lang="en-US" dirty="0" smtClean="0"/>
-              <a:t>Absence of personal constraints on time</a:t>
-            </a:r>
-          </a:p>
-          <a:p>
-            <a:pPr lvl="2"/>
-            <a:r>
-              <a:rPr lang="en-US" dirty="0" smtClean="0"/>
-              <a:t>Marriage</a:t>
-            </a:r>
-          </a:p>
-          <a:p>
-            <a:pPr lvl="2"/>
-            <a:r>
-              <a:rPr lang="en-US" dirty="0" smtClean="0"/>
-              <a:t>Kids</a:t>
-            </a:r>
-          </a:p>
-          <a:p>
-            <a:pPr lvl="2"/>
-            <a:r>
-              <a:rPr lang="en-US" dirty="0" smtClean="0"/>
-              <a:t>Full-time employment</a:t>
+              <a:t>How many of </a:t>
+            </a:r>
+            <a:r>
+              <a:rPr lang="en-US" dirty="0" smtClean="0"/>
+              <a:t>you </a:t>
+            </a:r>
+            <a:r>
+              <a:rPr lang="en-US" dirty="0" smtClean="0"/>
+              <a:t>vote?</a:t>
+            </a:r>
+          </a:p>
+          <a:p>
+            <a:r>
+              <a:rPr lang="en-US" dirty="0" smtClean="0"/>
+              <a:t>How many of your parents vote?</a:t>
+            </a:r>
+          </a:p>
+          <a:p>
+            <a:r>
+              <a:rPr lang="en-US" dirty="0" smtClean="0"/>
+              <a:t>What kinds of things did your parents say about voting, in general?</a:t>
             </a:r>
             <a:endParaRPr lang="en-US" dirty="0"/>
           </a:p>
@@ -6868,21 +7006,21 @@
     </p:spTree>
     <p:extLst>
       <p:ext uri="{BB962C8B-B14F-4D97-AF65-F5344CB8AC3E}">
-        <p14:creationId xmlns:p14="http://schemas.microsoft.com/office/powerpoint/2010/main" val="1021143475"/>
+        <p14:creationId xmlns:p14="http://schemas.microsoft.com/office/powerpoint/2010/main" val="2474027482"/>
       </p:ext>
     </p:extLst>
   </p:cSld>
   <p:clrMapOvr>
     <a:masterClrMapping/>
   </p:clrMapOvr>
-  <mc:AlternateContent xmlns:mc="http://schemas.openxmlformats.org/markup-compatibility/2006" xmlns:p14="http://schemas.microsoft.com/office/powerpoint/2010/main">
-    <mc:Choice Requires="p14">
+  <mc:AlternateContent xmlns:mc="http://schemas.openxmlformats.org/markup-compatibility/2006">
+    <mc:Choice xmlns:p14="http://schemas.microsoft.com/office/powerpoint/2010/main" Requires="p14">
       <p:transition spd="med" p14:dur="700">
         <p:fade/>
       </p:transition>
     </mc:Choice>
-    <mc:Fallback xmlns="">
-      <p:transition xmlns:p14="http://schemas.microsoft.com/office/powerpoint/2010/main" spd="med">
+    <mc:Fallback>
+      <p:transition spd="med">
         <p:fade/>
       </p:transition>
     </mc:Fallback>
@@ -6924,7 +7062,11 @@
           <a:p>
             <a:r>
               <a:rPr lang="en-US" dirty="0" smtClean="0"/>
-              <a:t>Incentives for Participating</a:t>
+              <a:t>Biographic </a:t>
+            </a:r>
+            <a:r>
+              <a:rPr lang="en-US" dirty="0" smtClean="0"/>
+              <a:t>Factors</a:t>
             </a:r>
             <a:endParaRPr lang="en-US" dirty="0"/>
           </a:p>
@@ -6947,29 +7089,37 @@
           <a:p>
             <a:r>
               <a:rPr lang="en-US" dirty="0" smtClean="0"/>
-              <a:t>Read up on incentives, pages 132-140</a:t>
-            </a:r>
+              <a:t>Prior engagement in politics</a:t>
+            </a:r>
+          </a:p>
+          <a:p>
+            <a:pPr lvl="1"/>
+            <a:r>
+              <a:rPr lang="en-US" dirty="0" smtClean="0"/>
+              <a:t>Those who are interested, knowledgeable about, and enjoy discussion about politics are more likely to participate</a:t>
+            </a:r>
+            <a:endParaRPr lang="en-US" dirty="0"/>
           </a:p>
         </p:txBody>
       </p:sp>
     </p:spTree>
     <p:extLst>
       <p:ext uri="{BB962C8B-B14F-4D97-AF65-F5344CB8AC3E}">
-        <p14:creationId xmlns:p14="http://schemas.microsoft.com/office/powerpoint/2010/main" val="1205750915"/>
+        <p14:creationId xmlns:p14="http://schemas.microsoft.com/office/powerpoint/2010/main" val="1471981515"/>
       </p:ext>
     </p:extLst>
   </p:cSld>
   <p:clrMapOvr>
     <a:masterClrMapping/>
   </p:clrMapOvr>
-  <mc:AlternateContent xmlns:mc="http://schemas.openxmlformats.org/markup-compatibility/2006" xmlns:p14="http://schemas.microsoft.com/office/powerpoint/2010/main">
-    <mc:Choice Requires="p14">
+  <mc:AlternateContent xmlns:mc="http://schemas.openxmlformats.org/markup-compatibility/2006">
+    <mc:Choice xmlns:p14="http://schemas.microsoft.com/office/powerpoint/2010/main" Requires="p14">
       <p:transition spd="med" p14:dur="700">
         <p:fade/>
       </p:transition>
     </mc:Choice>
-    <mc:Fallback xmlns="">
-      <p:transition xmlns:p14="http://schemas.microsoft.com/office/powerpoint/2010/main" spd="med">
+    <mc:Fallback>
+      <p:transition spd="med">
         <p:fade/>
       </p:transition>
     </mc:Fallback>
@@ -7011,7 +7161,7 @@
           <a:p>
             <a:r>
               <a:rPr lang="en-US" dirty="0" smtClean="0"/>
-              <a:t>Question 2</a:t>
+              <a:t>Biographical Factors</a:t>
             </a:r>
             <a:endParaRPr lang="en-US" dirty="0"/>
           </a:p>
@@ -7034,7 +7184,42 @@
           <a:p>
             <a:r>
               <a:rPr lang="en-US" dirty="0" smtClean="0"/>
-              <a:t>What accounts for persistent/sustained participation?</a:t>
+              <a:t>Biographic availability</a:t>
+            </a:r>
+          </a:p>
+          <a:p>
+            <a:pPr lvl="1"/>
+            <a:r>
+              <a:rPr lang="en-US" dirty="0" smtClean="0"/>
+              <a:t>Lifestyle characteristics that alter the costs and risks associated with participation</a:t>
+            </a:r>
+          </a:p>
+          <a:p>
+            <a:pPr lvl="1"/>
+            <a:r>
+              <a:rPr lang="en-US" dirty="0" smtClean="0"/>
+              <a:t>Absence of personal constraints on time</a:t>
+            </a:r>
+          </a:p>
+          <a:p>
+            <a:pPr lvl="2"/>
+            <a:r>
+              <a:rPr lang="en-US" dirty="0" smtClean="0"/>
+              <a:t>Marriage</a:t>
+            </a:r>
+          </a:p>
+          <a:p>
+            <a:pPr lvl="2"/>
+            <a:r>
+              <a:rPr lang="en-US" dirty="0" smtClean="0"/>
+              <a:t>Kids</a:t>
+            </a:r>
+          </a:p>
+          <a:p>
+            <a:pPr lvl="2"/>
+            <a:r>
+              <a:rPr lang="en-US" dirty="0" smtClean="0"/>
+              <a:t>Full-time employment</a:t>
             </a:r>
             <a:endParaRPr lang="en-US" dirty="0"/>
           </a:p>
@@ -7043,21 +7228,21 @@
     </p:spTree>
     <p:extLst>
       <p:ext uri="{BB962C8B-B14F-4D97-AF65-F5344CB8AC3E}">
-        <p14:creationId xmlns:p14="http://schemas.microsoft.com/office/powerpoint/2010/main" val="1335536568"/>
+        <p14:creationId xmlns:p14="http://schemas.microsoft.com/office/powerpoint/2010/main" val="1021143475"/>
       </p:ext>
     </p:extLst>
   </p:cSld>
   <p:clrMapOvr>
     <a:masterClrMapping/>
   </p:clrMapOvr>
-  <mc:AlternateContent xmlns:mc="http://schemas.openxmlformats.org/markup-compatibility/2006" xmlns:p14="http://schemas.microsoft.com/office/powerpoint/2010/main">
-    <mc:Choice Requires="p14">
+  <mc:AlternateContent xmlns:mc="http://schemas.openxmlformats.org/markup-compatibility/2006">
+    <mc:Choice xmlns:p14="http://schemas.microsoft.com/office/powerpoint/2010/main" Requires="p14">
       <p:transition spd="med" p14:dur="700">
         <p:fade/>
       </p:transition>
     </mc:Choice>
-    <mc:Fallback xmlns="">
-      <p:transition xmlns:p14="http://schemas.microsoft.com/office/powerpoint/2010/main" spd="med">
+    <mc:Fallback>
+      <p:transition spd="med">
         <p:fade/>
       </p:transition>
     </mc:Fallback>
@@ -7099,7 +7284,7 @@
           <a:p>
             <a:r>
               <a:rPr lang="en-US" dirty="0" smtClean="0"/>
-              <a:t>Conceptualizing Participation</a:t>
+              <a:t>To Participate or Not to Participate</a:t>
             </a:r>
             <a:endParaRPr lang="en-US" dirty="0"/>
           </a:p>
@@ -7145,14 +7330,14 @@
   <p:clrMapOvr>
     <a:masterClrMapping/>
   </p:clrMapOvr>
-  <mc:AlternateContent xmlns:mc="http://schemas.openxmlformats.org/markup-compatibility/2006" xmlns:p14="http://schemas.microsoft.com/office/powerpoint/2010/main">
-    <mc:Choice Requires="p14">
+  <mc:AlternateContent xmlns:mc="http://schemas.openxmlformats.org/markup-compatibility/2006">
+    <mc:Choice xmlns:p14="http://schemas.microsoft.com/office/powerpoint/2010/main" Requires="p14">
       <p:transition spd="med" p14:dur="700">
         <p:fade/>
       </p:transition>
     </mc:Choice>
-    <mc:Fallback xmlns="">
-      <p:transition xmlns:p14="http://schemas.microsoft.com/office/powerpoint/2010/main" spd="med">
+    <mc:Fallback>
+      <p:transition spd="med">
         <p:fade/>
       </p:transition>
     </mc:Fallback>
@@ -7194,7 +7379,11 @@
           <a:p>
             <a:r>
               <a:rPr lang="en-US" dirty="0" smtClean="0"/>
-              <a:t>Sustained Participation</a:t>
+              <a:t>Biographic </a:t>
+            </a:r>
+            <a:r>
+              <a:rPr lang="en-US" dirty="0" smtClean="0"/>
+              <a:t>Factors</a:t>
             </a:r>
             <a:endParaRPr lang="en-US" dirty="0"/>
           </a:p>
@@ -7216,19 +7405,15 @@
           <a:lstStyle/>
           <a:p>
             <a:r>
-              <a:rPr lang="en-US" dirty="0"/>
-              <a:t>C</a:t>
-            </a:r>
-            <a:r>
-              <a:rPr lang="en-US" dirty="0" smtClean="0"/>
-              <a:t>ommitment</a:t>
+              <a:rPr lang="en-US" dirty="0" smtClean="0"/>
+              <a:t>Why socialization, past experiences, and availability?</a:t>
             </a:r>
           </a:p>
           <a:p>
             <a:pPr lvl="1"/>
             <a:r>
               <a:rPr lang="en-US" dirty="0" smtClean="0"/>
-              <a:t>Correspondence of self interest and group interest</a:t>
+              <a:t>In the past or in the present, you are/were (1) open to participating in politic or movements and (2) you have/had the time to do so</a:t>
             </a:r>
             <a:endParaRPr lang="en-US" dirty="0"/>
           </a:p>
@@ -7237,32 +7422,25 @@
     </p:spTree>
     <p:extLst>
       <p:ext uri="{BB962C8B-B14F-4D97-AF65-F5344CB8AC3E}">
-        <p14:creationId xmlns:p14="http://schemas.microsoft.com/office/powerpoint/2010/main" val="486065846"/>
+        <p14:creationId xmlns:p14="http://schemas.microsoft.com/office/powerpoint/2010/main" val="2961019417"/>
       </p:ext>
     </p:extLst>
   </p:cSld>
   <p:clrMapOvr>
     <a:masterClrMapping/>
   </p:clrMapOvr>
-  <mc:AlternateContent xmlns:mc="http://schemas.openxmlformats.org/markup-compatibility/2006" xmlns:p14="http://schemas.microsoft.com/office/powerpoint/2010/main">
-    <mc:Choice Requires="p14">
+  <mc:AlternateContent xmlns:mc="http://schemas.openxmlformats.org/markup-compatibility/2006">
+    <mc:Choice xmlns:p14="http://schemas.microsoft.com/office/powerpoint/2010/main" Requires="p14">
       <p:transition spd="med" p14:dur="700">
         <p:fade/>
       </p:transition>
     </mc:Choice>
-    <mc:Fallback xmlns="">
-      <p:transition xmlns:p14="http://schemas.microsoft.com/office/powerpoint/2010/main" spd="med">
+    <mc:Fallback>
+      <p:transition spd="med">
         <p:fade/>
       </p:transition>
     </mc:Fallback>
   </mc:AlternateContent>
-  <p:timing>
-    <p:tnLst>
-      <p:par>
-        <p:cTn id="1" dur="indefinite" restart="never" nodeType="tmRoot"/>
-      </p:par>
-    </p:tnLst>
-  </p:timing>
 </p:sld>
 </file>
 
@@ -7300,7 +7478,7 @@
           <a:p>
             <a:r>
               <a:rPr lang="en-US" dirty="0" smtClean="0"/>
-              <a:t>Sustained Participation</a:t>
+              <a:t>Incentives for Participating</a:t>
             </a:r>
             <a:endParaRPr lang="en-US" dirty="0"/>
           </a:p>
@@ -7323,91 +7501,33 @@
           <a:p>
             <a:r>
               <a:rPr lang="en-US" dirty="0" smtClean="0"/>
-              <a:t>Building commitment </a:t>
-            </a:r>
-          </a:p>
-          <a:p>
-            <a:pPr lvl="1"/>
-            <a:r>
-              <a:rPr lang="en-US" dirty="0" smtClean="0"/>
-              <a:t>Social isolation</a:t>
-            </a:r>
-          </a:p>
-          <a:p>
-            <a:pPr lvl="1"/>
-            <a:r>
-              <a:rPr lang="en-US" dirty="0" smtClean="0"/>
-              <a:t>Conversion (e.g. religion)</a:t>
-            </a:r>
-          </a:p>
-          <a:p>
-            <a:pPr lvl="1"/>
-            <a:r>
-              <a:rPr lang="en-US" dirty="0" smtClean="0"/>
-              <a:t>Specific dress codes</a:t>
-            </a:r>
-          </a:p>
-          <a:p>
-            <a:pPr lvl="1"/>
-            <a:r>
-              <a:rPr lang="en-US" dirty="0" smtClean="0"/>
-              <a:t>Confession</a:t>
-            </a:r>
-          </a:p>
-          <a:p>
-            <a:pPr lvl="1"/>
-            <a:r>
-              <a:rPr lang="en-US" dirty="0" smtClean="0"/>
-              <a:t>Surrendering/donating personal resources</a:t>
-            </a:r>
-          </a:p>
-          <a:p>
-            <a:pPr lvl="1"/>
-            <a:r>
-              <a:rPr lang="en-US" dirty="0" err="1" smtClean="0"/>
-              <a:t>ingroup</a:t>
-            </a:r>
-            <a:r>
-              <a:rPr lang="en-US" dirty="0" smtClean="0"/>
-              <a:t>-/</a:t>
-            </a:r>
-            <a:r>
-              <a:rPr lang="en-US" dirty="0" err="1" smtClean="0"/>
-              <a:t>outgroup</a:t>
-            </a:r>
-            <a:endParaRPr lang="en-US" dirty="0"/>
+              <a:t>Read up on incentives, pages 132-140</a:t>
+            </a:r>
           </a:p>
         </p:txBody>
       </p:sp>
     </p:spTree>
     <p:extLst>
       <p:ext uri="{BB962C8B-B14F-4D97-AF65-F5344CB8AC3E}">
-        <p14:creationId xmlns:p14="http://schemas.microsoft.com/office/powerpoint/2010/main" val="3757015773"/>
+        <p14:creationId xmlns:p14="http://schemas.microsoft.com/office/powerpoint/2010/main" val="1205750915"/>
       </p:ext>
     </p:extLst>
   </p:cSld>
   <p:clrMapOvr>
     <a:masterClrMapping/>
   </p:clrMapOvr>
-  <mc:AlternateContent xmlns:mc="http://schemas.openxmlformats.org/markup-compatibility/2006" xmlns:p14="http://schemas.microsoft.com/office/powerpoint/2010/main">
-    <mc:Choice Requires="p14">
+  <mc:AlternateContent xmlns:mc="http://schemas.openxmlformats.org/markup-compatibility/2006">
+    <mc:Choice xmlns:p14="http://schemas.microsoft.com/office/powerpoint/2010/main" Requires="p14">
       <p:transition spd="med" p14:dur="700">
         <p:fade/>
       </p:transition>
     </mc:Choice>
-    <mc:Fallback xmlns="">
-      <p:transition xmlns:p14="http://schemas.microsoft.com/office/powerpoint/2010/main" spd="med">
+    <mc:Fallback>
+      <p:transition spd="med">
         <p:fade/>
       </p:transition>
     </mc:Fallback>
   </mc:AlternateContent>
-  <p:timing>
-    <p:tnLst>
-      <p:par>
-        <p:cTn id="1" dur="indefinite" restart="never" nodeType="tmRoot"/>
-      </p:par>
-    </p:tnLst>
-  </p:timing>
 </p:sld>
 </file>
 
@@ -7445,7 +7565,7 @@
           <a:p>
             <a:r>
               <a:rPr lang="en-US" dirty="0" smtClean="0"/>
-              <a:t>Question 3</a:t>
+              <a:t>Question 2</a:t>
             </a:r>
             <a:endParaRPr lang="en-US" dirty="0"/>
           </a:p>
@@ -7468,7 +7588,7 @@
           <a:p>
             <a:r>
               <a:rPr lang="en-US" dirty="0" smtClean="0"/>
-              <a:t>Why do people disengage?</a:t>
+              <a:t>What accounts for persistent/sustained participation?</a:t>
             </a:r>
             <a:endParaRPr lang="en-US" dirty="0"/>
           </a:p>
@@ -7477,21 +7597,21 @@
     </p:spTree>
     <p:extLst>
       <p:ext uri="{BB962C8B-B14F-4D97-AF65-F5344CB8AC3E}">
-        <p14:creationId xmlns:p14="http://schemas.microsoft.com/office/powerpoint/2010/main" val="162541229"/>
+        <p14:creationId xmlns:p14="http://schemas.microsoft.com/office/powerpoint/2010/main" val="1335536568"/>
       </p:ext>
     </p:extLst>
   </p:cSld>
   <p:clrMapOvr>
     <a:masterClrMapping/>
   </p:clrMapOvr>
-  <mc:AlternateContent xmlns:mc="http://schemas.openxmlformats.org/markup-compatibility/2006" xmlns:p14="http://schemas.microsoft.com/office/powerpoint/2010/main">
-    <mc:Choice Requires="p14">
+  <mc:AlternateContent xmlns:mc="http://schemas.openxmlformats.org/markup-compatibility/2006">
+    <mc:Choice xmlns:p14="http://schemas.microsoft.com/office/powerpoint/2010/main" Requires="p14">
       <p:transition spd="med" p14:dur="700">
         <p:fade/>
       </p:transition>
     </mc:Choice>
-    <mc:Fallback xmlns="">
-      <p:transition xmlns:p14="http://schemas.microsoft.com/office/powerpoint/2010/main" spd="med">
+    <mc:Fallback>
+      <p:transition spd="med">
         <p:fade/>
       </p:transition>
     </mc:Fallback>
@@ -7533,6 +7653,352 @@
           <a:p>
             <a:r>
               <a:rPr lang="en-US" dirty="0" smtClean="0"/>
+              <a:t>Sustained Participation</a:t>
+            </a:r>
+            <a:endParaRPr lang="en-US" dirty="0"/>
+          </a:p>
+        </p:txBody>
+      </p:sp>
+      <p:sp>
+        <p:nvSpPr>
+          <p:cNvPr id="3" name="Content Placeholder 2"/>
+          <p:cNvSpPr>
+            <a:spLocks noGrp="1"/>
+          </p:cNvSpPr>
+          <p:nvPr>
+            <p:ph sz="quarter" idx="1"/>
+          </p:nvPr>
+        </p:nvSpPr>
+        <p:spPr/>
+        <p:txBody>
+          <a:bodyPr/>
+          <a:lstStyle/>
+          <a:p>
+            <a:r>
+              <a:rPr lang="en-US" dirty="0"/>
+              <a:t>C</a:t>
+            </a:r>
+            <a:r>
+              <a:rPr lang="en-US" dirty="0" smtClean="0"/>
+              <a:t>ommitment</a:t>
+            </a:r>
+          </a:p>
+          <a:p>
+            <a:pPr lvl="1"/>
+            <a:r>
+              <a:rPr lang="en-US" dirty="0" smtClean="0"/>
+              <a:t>Correspondence of self interest and group interest</a:t>
+            </a:r>
+            <a:endParaRPr lang="en-US" dirty="0"/>
+          </a:p>
+        </p:txBody>
+      </p:sp>
+    </p:spTree>
+    <p:extLst>
+      <p:ext uri="{BB962C8B-B14F-4D97-AF65-F5344CB8AC3E}">
+        <p14:creationId xmlns:p14="http://schemas.microsoft.com/office/powerpoint/2010/main" val="486065846"/>
+      </p:ext>
+    </p:extLst>
+  </p:cSld>
+  <p:clrMapOvr>
+    <a:masterClrMapping/>
+  </p:clrMapOvr>
+  <mc:AlternateContent xmlns:mc="http://schemas.openxmlformats.org/markup-compatibility/2006">
+    <mc:Choice xmlns:p14="http://schemas.microsoft.com/office/powerpoint/2010/main" Requires="p14">
+      <p:transition spd="med" p14:dur="700">
+        <p:fade/>
+      </p:transition>
+    </mc:Choice>
+    <mc:Fallback>
+      <p:transition spd="med">
+        <p:fade/>
+      </p:transition>
+    </mc:Fallback>
+  </mc:AlternateContent>
+  <p:timing>
+    <p:tnLst>
+      <p:par>
+        <p:cTn id="1" dur="indefinite" restart="never" nodeType="tmRoot"/>
+      </p:par>
+    </p:tnLst>
+  </p:timing>
+</p:sld>
+</file>
+
+<file path=ppt/slides/slide34.xml><?xml version="1.0" encoding="utf-8"?>
+<p:sld xmlns:a="http://schemas.openxmlformats.org/drawingml/2006/main" xmlns:r="http://schemas.openxmlformats.org/officeDocument/2006/relationships" xmlns:p="http://schemas.openxmlformats.org/presentationml/2006/main">
+  <p:cSld>
+    <p:spTree>
+      <p:nvGrpSpPr>
+        <p:cNvPr id="1" name=""/>
+        <p:cNvGrpSpPr/>
+        <p:nvPr/>
+      </p:nvGrpSpPr>
+      <p:grpSpPr>
+        <a:xfrm>
+          <a:off x="0" y="0"/>
+          <a:ext cx="0" cy="0"/>
+          <a:chOff x="0" y="0"/>
+          <a:chExt cx="0" cy="0"/>
+        </a:xfrm>
+      </p:grpSpPr>
+      <p:sp>
+        <p:nvSpPr>
+          <p:cNvPr id="2" name="Title 1"/>
+          <p:cNvSpPr>
+            <a:spLocks noGrp="1"/>
+          </p:cNvSpPr>
+          <p:nvPr>
+            <p:ph type="title"/>
+          </p:nvPr>
+        </p:nvSpPr>
+        <p:spPr/>
+        <p:txBody>
+          <a:bodyPr/>
+          <a:lstStyle/>
+          <a:p>
+            <a:r>
+              <a:rPr lang="en-US" dirty="0" smtClean="0"/>
+              <a:t>Sustained Participation</a:t>
+            </a:r>
+            <a:endParaRPr lang="en-US" dirty="0"/>
+          </a:p>
+        </p:txBody>
+      </p:sp>
+      <p:sp>
+        <p:nvSpPr>
+          <p:cNvPr id="3" name="Content Placeholder 2"/>
+          <p:cNvSpPr>
+            <a:spLocks noGrp="1"/>
+          </p:cNvSpPr>
+          <p:nvPr>
+            <p:ph sz="quarter" idx="1"/>
+          </p:nvPr>
+        </p:nvSpPr>
+        <p:spPr/>
+        <p:txBody>
+          <a:bodyPr/>
+          <a:lstStyle/>
+          <a:p>
+            <a:r>
+              <a:rPr lang="en-US" dirty="0" smtClean="0"/>
+              <a:t>Building commitment </a:t>
+            </a:r>
+          </a:p>
+          <a:p>
+            <a:pPr lvl="1"/>
+            <a:r>
+              <a:rPr lang="en-US" dirty="0" smtClean="0"/>
+              <a:t>Social isolation</a:t>
+            </a:r>
+          </a:p>
+          <a:p>
+            <a:pPr lvl="1"/>
+            <a:r>
+              <a:rPr lang="en-US" dirty="0" smtClean="0"/>
+              <a:t>Conversion (e.g. religion)</a:t>
+            </a:r>
+          </a:p>
+          <a:p>
+            <a:pPr lvl="1"/>
+            <a:r>
+              <a:rPr lang="en-US" dirty="0" smtClean="0"/>
+              <a:t>Specific dress codes</a:t>
+            </a:r>
+          </a:p>
+          <a:p>
+            <a:pPr lvl="1"/>
+            <a:r>
+              <a:rPr lang="en-US" dirty="0" smtClean="0"/>
+              <a:t>Confession</a:t>
+            </a:r>
+          </a:p>
+          <a:p>
+            <a:pPr lvl="1"/>
+            <a:r>
+              <a:rPr lang="en-US" dirty="0" smtClean="0"/>
+              <a:t>Surrendering/donating personal resources</a:t>
+            </a:r>
+          </a:p>
+          <a:p>
+            <a:pPr lvl="1"/>
+            <a:r>
+              <a:rPr lang="en-US" dirty="0" err="1" smtClean="0"/>
+              <a:t>ingroup</a:t>
+            </a:r>
+            <a:r>
+              <a:rPr lang="en-US" dirty="0" smtClean="0"/>
+              <a:t>-/</a:t>
+            </a:r>
+            <a:r>
+              <a:rPr lang="en-US" dirty="0" err="1" smtClean="0"/>
+              <a:t>outgroup</a:t>
+            </a:r>
+            <a:endParaRPr lang="en-US" dirty="0"/>
+          </a:p>
+        </p:txBody>
+      </p:sp>
+    </p:spTree>
+    <p:extLst>
+      <p:ext uri="{BB962C8B-B14F-4D97-AF65-F5344CB8AC3E}">
+        <p14:creationId xmlns:p14="http://schemas.microsoft.com/office/powerpoint/2010/main" val="3757015773"/>
+      </p:ext>
+    </p:extLst>
+  </p:cSld>
+  <p:clrMapOvr>
+    <a:masterClrMapping/>
+  </p:clrMapOvr>
+  <mc:AlternateContent xmlns:mc="http://schemas.openxmlformats.org/markup-compatibility/2006">
+    <mc:Choice xmlns:p14="http://schemas.microsoft.com/office/powerpoint/2010/main" Requires="p14">
+      <p:transition spd="med" p14:dur="700">
+        <p:fade/>
+      </p:transition>
+    </mc:Choice>
+    <mc:Fallback>
+      <p:transition spd="med">
+        <p:fade/>
+      </p:transition>
+    </mc:Fallback>
+  </mc:AlternateContent>
+  <p:timing>
+    <p:tnLst>
+      <p:par>
+        <p:cTn id="1" dur="indefinite" restart="never" nodeType="tmRoot"/>
+      </p:par>
+    </p:tnLst>
+  </p:timing>
+</p:sld>
+</file>
+
+<file path=ppt/slides/slide35.xml><?xml version="1.0" encoding="utf-8"?>
+<p:sld xmlns:a="http://schemas.openxmlformats.org/drawingml/2006/main" xmlns:r="http://schemas.openxmlformats.org/officeDocument/2006/relationships" xmlns:p="http://schemas.openxmlformats.org/presentationml/2006/main">
+  <p:cSld>
+    <p:spTree>
+      <p:nvGrpSpPr>
+        <p:cNvPr id="1" name=""/>
+        <p:cNvGrpSpPr/>
+        <p:nvPr/>
+      </p:nvGrpSpPr>
+      <p:grpSpPr>
+        <a:xfrm>
+          <a:off x="0" y="0"/>
+          <a:ext cx="0" cy="0"/>
+          <a:chOff x="0" y="0"/>
+          <a:chExt cx="0" cy="0"/>
+        </a:xfrm>
+      </p:grpSpPr>
+      <p:sp>
+        <p:nvSpPr>
+          <p:cNvPr id="2" name="Title 1"/>
+          <p:cNvSpPr>
+            <a:spLocks noGrp="1"/>
+          </p:cNvSpPr>
+          <p:nvPr>
+            <p:ph type="title"/>
+          </p:nvPr>
+        </p:nvSpPr>
+        <p:spPr/>
+        <p:txBody>
+          <a:bodyPr/>
+          <a:lstStyle/>
+          <a:p>
+            <a:r>
+              <a:rPr lang="en-US" dirty="0" smtClean="0"/>
+              <a:t>Question 3</a:t>
+            </a:r>
+            <a:endParaRPr lang="en-US" dirty="0"/>
+          </a:p>
+        </p:txBody>
+      </p:sp>
+      <p:sp>
+        <p:nvSpPr>
+          <p:cNvPr id="3" name="Content Placeholder 2"/>
+          <p:cNvSpPr>
+            <a:spLocks noGrp="1"/>
+          </p:cNvSpPr>
+          <p:nvPr>
+            <p:ph sz="quarter" idx="1"/>
+          </p:nvPr>
+        </p:nvSpPr>
+        <p:spPr/>
+        <p:txBody>
+          <a:bodyPr/>
+          <a:lstStyle/>
+          <a:p>
+            <a:r>
+              <a:rPr lang="en-US" dirty="0" smtClean="0"/>
+              <a:t>Why do people disengage?</a:t>
+            </a:r>
+            <a:endParaRPr lang="en-US" dirty="0"/>
+          </a:p>
+        </p:txBody>
+      </p:sp>
+    </p:spTree>
+    <p:extLst>
+      <p:ext uri="{BB962C8B-B14F-4D97-AF65-F5344CB8AC3E}">
+        <p14:creationId xmlns:p14="http://schemas.microsoft.com/office/powerpoint/2010/main" val="162541229"/>
+      </p:ext>
+    </p:extLst>
+  </p:cSld>
+  <p:clrMapOvr>
+    <a:masterClrMapping/>
+  </p:clrMapOvr>
+  <mc:AlternateContent xmlns:mc="http://schemas.openxmlformats.org/markup-compatibility/2006">
+    <mc:Choice xmlns:p14="http://schemas.microsoft.com/office/powerpoint/2010/main" Requires="p14">
+      <p:transition spd="med" p14:dur="700">
+        <p:fade/>
+      </p:transition>
+    </mc:Choice>
+    <mc:Fallback>
+      <p:transition spd="med">
+        <p:fade/>
+      </p:transition>
+    </mc:Fallback>
+  </mc:AlternateContent>
+  <p:timing>
+    <p:tnLst>
+      <p:par>
+        <p:cTn id="1" dur="indefinite" restart="never" nodeType="tmRoot"/>
+      </p:par>
+    </p:tnLst>
+  </p:timing>
+</p:sld>
+</file>
+
+<file path=ppt/slides/slide36.xml><?xml version="1.0" encoding="utf-8"?>
+<p:sld xmlns:a="http://schemas.openxmlformats.org/drawingml/2006/main" xmlns:r="http://schemas.openxmlformats.org/officeDocument/2006/relationships" xmlns:p="http://schemas.openxmlformats.org/presentationml/2006/main">
+  <p:cSld>
+    <p:spTree>
+      <p:nvGrpSpPr>
+        <p:cNvPr id="1" name=""/>
+        <p:cNvGrpSpPr/>
+        <p:nvPr/>
+      </p:nvGrpSpPr>
+      <p:grpSpPr>
+        <a:xfrm>
+          <a:off x="0" y="0"/>
+          <a:ext cx="0" cy="0"/>
+          <a:chOff x="0" y="0"/>
+          <a:chExt cx="0" cy="0"/>
+        </a:xfrm>
+      </p:grpSpPr>
+      <p:sp>
+        <p:nvSpPr>
+          <p:cNvPr id="2" name="Title 1"/>
+          <p:cNvSpPr>
+            <a:spLocks noGrp="1"/>
+          </p:cNvSpPr>
+          <p:nvPr>
+            <p:ph type="title"/>
+          </p:nvPr>
+        </p:nvSpPr>
+        <p:spPr/>
+        <p:txBody>
+          <a:bodyPr/>
+          <a:lstStyle/>
+          <a:p>
+            <a:r>
+              <a:rPr lang="en-US" dirty="0" smtClean="0"/>
               <a:t>Disengagement</a:t>
             </a:r>
             <a:endParaRPr lang="en-US" dirty="0"/>
@@ -7584,18 +8050,25 @@
   <p:clrMapOvr>
     <a:masterClrMapping/>
   </p:clrMapOvr>
-  <mc:AlternateContent xmlns:mc="http://schemas.openxmlformats.org/markup-compatibility/2006" xmlns:p14="http://schemas.microsoft.com/office/powerpoint/2010/main">
-    <mc:Choice Requires="p14">
+  <mc:AlternateContent xmlns:mc="http://schemas.openxmlformats.org/markup-compatibility/2006">
+    <mc:Choice xmlns:p14="http://schemas.microsoft.com/office/powerpoint/2010/main" Requires="p14">
       <p:transition spd="med" p14:dur="700">
         <p:fade/>
       </p:transition>
     </mc:Choice>
-    <mc:Fallback xmlns="">
-      <p:transition xmlns:p14="http://schemas.microsoft.com/office/powerpoint/2010/main" spd="med">
+    <mc:Fallback>
+      <p:transition spd="med">
         <p:fade/>
       </p:transition>
     </mc:Fallback>
   </mc:AlternateContent>
+  <p:timing>
+    <p:tnLst>
+      <p:par>
+        <p:cTn id="1" dur="indefinite" restart="never" nodeType="tmRoot"/>
+      </p:par>
+    </p:tnLst>
+  </p:timing>
 </p:sld>
 </file>
 
@@ -7714,14 +8187,14 @@
   <p:clrMapOvr>
     <a:masterClrMapping/>
   </p:clrMapOvr>
-  <mc:AlternateContent xmlns:mc="http://schemas.openxmlformats.org/markup-compatibility/2006" xmlns:p14="http://schemas.microsoft.com/office/powerpoint/2010/main">
-    <mc:Choice Requires="p14">
+  <mc:AlternateContent xmlns:mc="http://schemas.openxmlformats.org/markup-compatibility/2006">
+    <mc:Choice xmlns:p14="http://schemas.microsoft.com/office/powerpoint/2010/main" Requires="p14">
       <p:transition spd="med" p14:dur="700">
         <p:fade/>
       </p:transition>
     </mc:Choice>
-    <mc:Fallback xmlns="">
-      <p:transition xmlns:p14="http://schemas.microsoft.com/office/powerpoint/2010/main" spd="med">
+    <mc:Fallback>
+      <p:transition spd="med">
         <p:fade/>
       </p:transition>
     </mc:Fallback>
@@ -7763,7 +8236,7 @@
           <a:p>
             <a:r>
               <a:rPr lang="en-US" dirty="0" smtClean="0"/>
-              <a:t>Direct and Indirect Costs and Risks</a:t>
+              <a:t>Direct versus Indirect</a:t>
             </a:r>
             <a:endParaRPr lang="en-US" dirty="0"/>
           </a:p>
@@ -7786,21 +8259,22 @@
           <a:p>
             <a:r>
               <a:rPr lang="en-US" dirty="0" smtClean="0"/>
-              <a:t>Cost</a:t>
+              <a:t>Direct</a:t>
             </a:r>
           </a:p>
           <a:p>
             <a:pPr lvl="1"/>
             <a:r>
               <a:rPr lang="en-US" dirty="0" smtClean="0"/>
-              <a:t>Direct: Travel expenses to attend DC protest</a:t>
-            </a:r>
-          </a:p>
-          <a:p>
-            <a:pPr lvl="1"/>
-            <a:r>
-              <a:rPr lang="en-US" dirty="0" smtClean="0"/>
-              <a:t>Indirect: Lost wages for skipping work for protest</a:t>
+              <a:t>something </a:t>
+            </a:r>
+            <a:r>
+              <a:rPr lang="en-US" dirty="0"/>
+              <a:t>you experience at the time of </a:t>
+            </a:r>
+            <a:r>
+              <a:rPr lang="en-US" dirty="0" smtClean="0"/>
+              <a:t>participation</a:t>
             </a:r>
           </a:p>
           <a:p>
@@ -7810,47 +8284,54 @@
           <a:p>
             <a:r>
               <a:rPr lang="en-US" dirty="0" smtClean="0"/>
-              <a:t>Risk</a:t>
+              <a:t>Indirect</a:t>
             </a:r>
           </a:p>
           <a:p>
             <a:pPr lvl="1"/>
             <a:r>
               <a:rPr lang="en-US" dirty="0" smtClean="0"/>
-              <a:t>Direct: Police brutality at protest event</a:t>
-            </a:r>
-          </a:p>
-          <a:p>
-            <a:pPr lvl="1"/>
-            <a:r>
-              <a:rPr lang="en-US" dirty="0" smtClean="0"/>
-              <a:t>Indirect: Surveillance because of past participation</a:t>
-            </a:r>
+              <a:t>happens </a:t>
+            </a:r>
+            <a:r>
+              <a:rPr lang="en-US" dirty="0"/>
+              <a:t>outside the site of movement activity/participation</a:t>
+            </a:r>
+          </a:p>
+          <a:p>
+            <a:endParaRPr lang="en-US" dirty="0"/>
           </a:p>
         </p:txBody>
       </p:sp>
     </p:spTree>
     <p:extLst>
       <p:ext uri="{BB962C8B-B14F-4D97-AF65-F5344CB8AC3E}">
-        <p14:creationId xmlns:p14="http://schemas.microsoft.com/office/powerpoint/2010/main" val="2438768626"/>
+        <p14:creationId xmlns:p14="http://schemas.microsoft.com/office/powerpoint/2010/main" val="2053697457"/>
       </p:ext>
     </p:extLst>
   </p:cSld>
   <p:clrMapOvr>
     <a:masterClrMapping/>
   </p:clrMapOvr>
-  <mc:AlternateContent xmlns:mc="http://schemas.openxmlformats.org/markup-compatibility/2006" xmlns:p14="http://schemas.microsoft.com/office/powerpoint/2010/main">
-    <mc:Choice Requires="p14">
+  <mc:AlternateContent xmlns:mc="http://schemas.openxmlformats.org/markup-compatibility/2006">
+    <mc:Choice xmlns:p14="http://schemas.microsoft.com/office/powerpoint/2010/main" Requires="p14">
       <p:transition spd="med" p14:dur="700">
         <p:fade/>
       </p:transition>
     </mc:Choice>
-    <mc:Fallback xmlns="">
-      <p:transition xmlns:p14="http://schemas.microsoft.com/office/powerpoint/2010/main" spd="med">
+    <mc:Fallback>
+      <p:transition spd="med">
         <p:fade/>
       </p:transition>
     </mc:Fallback>
   </mc:AlternateContent>
+  <p:timing>
+    <p:tnLst>
+      <p:par>
+        <p:cTn id="1" dur="indefinite" restart="never" nodeType="tmRoot"/>
+      </p:par>
+    </p:tnLst>
+  </p:timing>
 </p:sld>
 </file>
 
@@ -7888,7 +8369,7 @@
           <a:p>
             <a:r>
               <a:rPr lang="en-US" dirty="0" smtClean="0"/>
-              <a:t>Variation in Costs and Risks</a:t>
+              <a:t>Direct and Indirect Costs and Risks</a:t>
             </a:r>
             <a:endParaRPr lang="en-US" dirty="0"/>
           </a:p>
@@ -7910,37 +8391,84 @@
           <a:lstStyle/>
           <a:p>
             <a:r>
-              <a:rPr lang="en-US" dirty="0" smtClean="0">
-                <a:hlinkClick r:id="rId2"/>
-              </a:rPr>
-              <a:t>Freedom Summer in 1964</a:t>
-            </a:r>
+              <a:rPr lang="en-US" dirty="0" smtClean="0"/>
+              <a:t>Cost</a:t>
+            </a:r>
+          </a:p>
+          <a:p>
+            <a:pPr lvl="1"/>
+            <a:r>
+              <a:rPr lang="en-US" dirty="0" smtClean="0"/>
+              <a:t>Direct: </a:t>
+            </a:r>
+            <a:r>
+              <a:rPr lang="en-US" dirty="0" smtClean="0"/>
+              <a:t>Time spent protesting in DC (when you have a paper due)</a:t>
+            </a:r>
+            <a:endParaRPr lang="en-US" dirty="0" smtClean="0"/>
+          </a:p>
+          <a:p>
+            <a:pPr lvl="1"/>
+            <a:r>
+              <a:rPr lang="en-US" dirty="0" smtClean="0"/>
+              <a:t>Indirect: Lost wages for skipping work for protest</a:t>
+            </a:r>
+          </a:p>
+          <a:p>
+            <a:pPr lvl="1"/>
             <a:endParaRPr lang="en-US" dirty="0"/>
+          </a:p>
+          <a:p>
+            <a:r>
+              <a:rPr lang="en-US" dirty="0" smtClean="0"/>
+              <a:t>Risk</a:t>
+            </a:r>
+          </a:p>
+          <a:p>
+            <a:pPr lvl="1"/>
+            <a:r>
+              <a:rPr lang="en-US" dirty="0" smtClean="0"/>
+              <a:t>Direct: Police brutality at protest event</a:t>
+            </a:r>
+          </a:p>
+          <a:p>
+            <a:pPr lvl="1"/>
+            <a:r>
+              <a:rPr lang="en-US" dirty="0" smtClean="0"/>
+              <a:t>Indirect: Surveillance because of past participation</a:t>
+            </a:r>
           </a:p>
         </p:txBody>
       </p:sp>
     </p:spTree>
     <p:extLst>
       <p:ext uri="{BB962C8B-B14F-4D97-AF65-F5344CB8AC3E}">
-        <p14:creationId xmlns:p14="http://schemas.microsoft.com/office/powerpoint/2010/main" val="1302251515"/>
+        <p14:creationId xmlns:p14="http://schemas.microsoft.com/office/powerpoint/2010/main" val="2438768626"/>
       </p:ext>
     </p:extLst>
   </p:cSld>
   <p:clrMapOvr>
     <a:masterClrMapping/>
   </p:clrMapOvr>
-  <mc:AlternateContent xmlns:mc="http://schemas.openxmlformats.org/markup-compatibility/2006" xmlns:p14="http://schemas.microsoft.com/office/powerpoint/2010/main">
-    <mc:Choice Requires="p14">
+  <mc:AlternateContent xmlns:mc="http://schemas.openxmlformats.org/markup-compatibility/2006">
+    <mc:Choice xmlns:p14="http://schemas.microsoft.com/office/powerpoint/2010/main" Requires="p14">
       <p:transition spd="med" p14:dur="700">
         <p:fade/>
       </p:transition>
     </mc:Choice>
-    <mc:Fallback xmlns="">
-      <p:transition xmlns:p14="http://schemas.microsoft.com/office/powerpoint/2010/main" spd="med">
+    <mc:Fallback>
+      <p:transition spd="med">
         <p:fade/>
       </p:transition>
     </mc:Fallback>
   </mc:AlternateContent>
+  <p:timing>
+    <p:tnLst>
+      <p:par>
+        <p:cTn id="1" dur="indefinite" restart="never" nodeType="tmRoot"/>
+      </p:par>
+    </p:tnLst>
+  </p:timing>
 </p:sld>
 </file>
 
@@ -7984,6 +8512,103 @@
           </a:p>
         </p:txBody>
       </p:sp>
+      <p:sp>
+        <p:nvSpPr>
+          <p:cNvPr id="3" name="Content Placeholder 2"/>
+          <p:cNvSpPr>
+            <a:spLocks noGrp="1"/>
+          </p:cNvSpPr>
+          <p:nvPr>
+            <p:ph sz="quarter" idx="1"/>
+          </p:nvPr>
+        </p:nvSpPr>
+        <p:spPr/>
+        <p:txBody>
+          <a:bodyPr/>
+          <a:lstStyle/>
+          <a:p>
+            <a:r>
+              <a:rPr lang="en-US" dirty="0" smtClean="0">
+                <a:hlinkClick r:id="rId2"/>
+              </a:rPr>
+              <a:t>Freedom Summer in 1964</a:t>
+            </a:r>
+            <a:endParaRPr lang="en-US" dirty="0"/>
+          </a:p>
+        </p:txBody>
+      </p:sp>
+    </p:spTree>
+    <p:extLst>
+      <p:ext uri="{BB962C8B-B14F-4D97-AF65-F5344CB8AC3E}">
+        <p14:creationId xmlns:p14="http://schemas.microsoft.com/office/powerpoint/2010/main" val="1302251515"/>
+      </p:ext>
+    </p:extLst>
+  </p:cSld>
+  <p:clrMapOvr>
+    <a:masterClrMapping/>
+  </p:clrMapOvr>
+  <mc:AlternateContent xmlns:mc="http://schemas.openxmlformats.org/markup-compatibility/2006">
+    <mc:Choice xmlns:p14="http://schemas.microsoft.com/office/powerpoint/2010/main" Requires="p14">
+      <p:transition spd="med" p14:dur="700">
+        <p:fade/>
+      </p:transition>
+    </mc:Choice>
+    <mc:Fallback>
+      <p:transition spd="med">
+        <p:fade/>
+      </p:transition>
+    </mc:Fallback>
+  </mc:AlternateContent>
+  <p:timing>
+    <p:tnLst>
+      <p:par>
+        <p:cTn id="1" dur="indefinite" restart="never" nodeType="tmRoot"/>
+      </p:par>
+    </p:tnLst>
+  </p:timing>
+</p:sld>
+</file>
+
+<file path=ppt/slides/slide8.xml><?xml version="1.0" encoding="utf-8"?>
+<p:sld xmlns:a="http://schemas.openxmlformats.org/drawingml/2006/main" xmlns:r="http://schemas.openxmlformats.org/officeDocument/2006/relationships" xmlns:p="http://schemas.openxmlformats.org/presentationml/2006/main">
+  <p:cSld>
+    <p:spTree>
+      <p:nvGrpSpPr>
+        <p:cNvPr id="1" name=""/>
+        <p:cNvGrpSpPr/>
+        <p:nvPr/>
+      </p:nvGrpSpPr>
+      <p:grpSpPr>
+        <a:xfrm>
+          <a:off x="0" y="0"/>
+          <a:ext cx="0" cy="0"/>
+          <a:chOff x="0" y="0"/>
+          <a:chExt cx="0" cy="0"/>
+        </a:xfrm>
+      </p:grpSpPr>
+      <p:sp>
+        <p:nvSpPr>
+          <p:cNvPr id="2" name="Title 1"/>
+          <p:cNvSpPr>
+            <a:spLocks noGrp="1"/>
+          </p:cNvSpPr>
+          <p:nvPr>
+            <p:ph type="title"/>
+          </p:nvPr>
+        </p:nvSpPr>
+        <p:spPr/>
+        <p:txBody>
+          <a:bodyPr/>
+          <a:lstStyle/>
+          <a:p>
+            <a:r>
+              <a:rPr lang="en-US" dirty="0" smtClean="0"/>
+              <a:t>Variation in Costs and Risks</a:t>
+            </a:r>
+            <a:endParaRPr lang="en-US" dirty="0"/>
+          </a:p>
+        </p:txBody>
+      </p:sp>
       <p:graphicFrame>
         <p:nvGraphicFramePr>
           <p:cNvPr id="4" name="Content Placeholder 3"/>
@@ -7994,13 +8619,13 @@
             <p:ph sz="quarter" idx="1"/>
             <p:extLst>
               <p:ext uri="{D42A27DB-BD31-4B8C-83A1-F6EECF244321}">
-                <p14:modId xmlns:p14="http://schemas.microsoft.com/office/powerpoint/2010/main" val="1367602429"/>
+                <p14:modId xmlns:p14="http://schemas.microsoft.com/office/powerpoint/2010/main" val="1995716218"/>
               </p:ext>
             </p:extLst>
           </p:nvPr>
         </p:nvGraphicFramePr>
         <p:xfrm>
-          <a:off x="1981201" y="1600199"/>
+          <a:off x="2215917" y="2156790"/>
           <a:ext cx="8073093" cy="4005688"/>
         </p:xfrm>
         <a:graphic>
@@ -8277,135 +8902,25 @@
   <p:clrMapOvr>
     <a:masterClrMapping/>
   </p:clrMapOvr>
-  <mc:AlternateContent xmlns:mc="http://schemas.openxmlformats.org/markup-compatibility/2006" xmlns:p14="http://schemas.microsoft.com/office/powerpoint/2010/main">
-    <mc:Choice Requires="p14">
+  <mc:AlternateContent xmlns:mc="http://schemas.openxmlformats.org/markup-compatibility/2006">
+    <mc:Choice xmlns:p14="http://schemas.microsoft.com/office/powerpoint/2010/main" Requires="p14">
       <p:transition spd="med" p14:dur="700">
         <p:fade/>
       </p:transition>
     </mc:Choice>
-    <mc:Fallback xmlns="">
-      <p:transition xmlns:p14="http://schemas.microsoft.com/office/powerpoint/2010/main" spd="med">
+    <mc:Fallback>
+      <p:transition spd="med">
         <p:fade/>
       </p:transition>
     </mc:Fallback>
   </mc:AlternateContent>
-</p:sld>
-</file>
-
-<file path=ppt/slides/slide8.xml><?xml version="1.0" encoding="utf-8"?>
-<p:sld xmlns:a="http://schemas.openxmlformats.org/drawingml/2006/main" xmlns:r="http://schemas.openxmlformats.org/officeDocument/2006/relationships" xmlns:p="http://schemas.openxmlformats.org/presentationml/2006/main">
-  <p:cSld>
-    <p:spTree>
-      <p:nvGrpSpPr>
-        <p:cNvPr id="1" name=""/>
-        <p:cNvGrpSpPr/>
-        <p:nvPr/>
-      </p:nvGrpSpPr>
-      <p:grpSpPr>
-        <a:xfrm>
-          <a:off x="0" y="0"/>
-          <a:ext cx="0" cy="0"/>
-          <a:chOff x="0" y="0"/>
-          <a:chExt cx="0" cy="0"/>
-        </a:xfrm>
-      </p:grpSpPr>
-      <p:sp>
-        <p:nvSpPr>
-          <p:cNvPr id="2" name="Title 1"/>
-          <p:cNvSpPr>
-            <a:spLocks noGrp="1"/>
-          </p:cNvSpPr>
-          <p:nvPr>
-            <p:ph type="title"/>
-          </p:nvPr>
-        </p:nvSpPr>
-        <p:spPr/>
-        <p:txBody>
-          <a:bodyPr/>
-          <a:lstStyle/>
-          <a:p>
-            <a:r>
-              <a:rPr lang="en-US" dirty="0" smtClean="0"/>
-              <a:t>Practice: Variable Risks and Costs</a:t>
-            </a:r>
-            <a:endParaRPr lang="en-US" dirty="0"/>
-          </a:p>
-        </p:txBody>
-      </p:sp>
-      <p:sp>
-        <p:nvSpPr>
-          <p:cNvPr id="3" name="Content Placeholder 2"/>
-          <p:cNvSpPr>
-            <a:spLocks noGrp="1"/>
-          </p:cNvSpPr>
-          <p:nvPr>
-            <p:ph sz="quarter" idx="1"/>
-          </p:nvPr>
-        </p:nvSpPr>
-        <p:spPr/>
-        <p:txBody>
-          <a:bodyPr/>
-          <a:lstStyle/>
-          <a:p>
-            <a:r>
-              <a:rPr lang="en-US" dirty="0" smtClean="0"/>
-              <a:t>On a sheet of paper, write down at least one example from one of the cells in the previous table</a:t>
-            </a:r>
-            <a:endParaRPr lang="en-US" dirty="0"/>
-          </a:p>
-          <a:p>
-            <a:pPr lvl="1"/>
-            <a:r>
-              <a:rPr lang="en-US" dirty="0" smtClean="0"/>
-              <a:t>Low risk, low cost</a:t>
-            </a:r>
-          </a:p>
-          <a:p>
-            <a:pPr lvl="1"/>
-            <a:r>
-              <a:rPr lang="en-US" dirty="0" smtClean="0"/>
-              <a:t>Low risk, high cost</a:t>
-            </a:r>
-          </a:p>
-          <a:p>
-            <a:pPr lvl="1"/>
-            <a:r>
-              <a:rPr lang="en-US" dirty="0" smtClean="0"/>
-              <a:t>High risk, low cost</a:t>
-            </a:r>
-          </a:p>
-          <a:p>
-            <a:pPr lvl="1"/>
-            <a:r>
-              <a:rPr lang="en-US" dirty="0" smtClean="0"/>
-              <a:t>High risk, high cost</a:t>
-            </a:r>
-            <a:endParaRPr lang="en-US" dirty="0"/>
-          </a:p>
-        </p:txBody>
-      </p:sp>
-    </p:spTree>
-    <p:extLst>
-      <p:ext uri="{BB962C8B-B14F-4D97-AF65-F5344CB8AC3E}">
-        <p14:creationId xmlns:p14="http://schemas.microsoft.com/office/powerpoint/2010/main" val="885718447"/>
-      </p:ext>
-    </p:extLst>
-  </p:cSld>
-  <p:clrMapOvr>
-    <a:masterClrMapping/>
-  </p:clrMapOvr>
-  <mc:AlternateContent xmlns:mc="http://schemas.openxmlformats.org/markup-compatibility/2006" xmlns:p14="http://schemas.microsoft.com/office/powerpoint/2010/main">
-    <mc:Choice Requires="p14">
-      <p:transition spd="med" p14:dur="700">
-        <p:fade/>
-      </p:transition>
-    </mc:Choice>
-    <mc:Fallback xmlns="">
-      <p:transition xmlns:p14="http://schemas.microsoft.com/office/powerpoint/2010/main" spd="med">
-        <p:fade/>
-      </p:transition>
-    </mc:Fallback>
-  </mc:AlternateContent>
+  <p:timing>
+    <p:tnLst>
+      <p:par>
+        <p:cTn id="1" dur="indefinite" restart="never" nodeType="tmRoot"/>
+      </p:par>
+    </p:tnLst>
+  </p:timing>
 </p:sld>
 </file>
 
@@ -8443,146 +8958,368 @@
           <a:p>
             <a:r>
               <a:rPr lang="en-US" dirty="0" smtClean="0"/>
-              <a:t>Commitment</a:t>
+              <a:t>Exercise: </a:t>
+            </a:r>
+            <a:r>
+              <a:rPr lang="en-US" dirty="0" smtClean="0"/>
+              <a:t>Variable Risks and Costs</a:t>
             </a:r>
             <a:endParaRPr lang="en-US" dirty="0"/>
           </a:p>
         </p:txBody>
       </p:sp>
-      <p:grpSp>
-        <p:nvGrpSpPr>
-          <p:cNvPr id="6" name="Group 5"/>
-          <p:cNvGrpSpPr/>
-          <p:nvPr/>
-        </p:nvGrpSpPr>
-        <p:grpSpPr>
-          <a:xfrm>
-            <a:off x="1967333" y="3602061"/>
-            <a:ext cx="8570261" cy="1007811"/>
-            <a:chOff x="1981200" y="2912948"/>
-            <a:chExt cx="8570261" cy="1007811"/>
-          </a:xfrm>
-        </p:grpSpPr>
-        <p:sp>
-          <p:nvSpPr>
-            <p:cNvPr id="7" name="TextBox 6"/>
-            <p:cNvSpPr txBox="1"/>
-            <p:nvPr/>
-          </p:nvSpPr>
-          <p:spPr>
-            <a:xfrm>
-              <a:off x="1981200" y="3037055"/>
-              <a:ext cx="3004349" cy="523220"/>
-            </a:xfrm>
-            <a:prstGeom prst="rect">
-              <a:avLst/>
-            </a:prstGeom>
-            <a:noFill/>
-          </p:spPr>
-          <p:txBody>
-            <a:bodyPr wrap="none" rtlCol="0">
-              <a:spAutoFit/>
-            </a:bodyPr>
-            <a:lstStyle/>
-            <a:p>
-              <a:r>
-                <a:rPr lang="en-US" sz="2800" dirty="0">
-                  <a:latin typeface="Helvetica Neue Light" charset="0"/>
-                  <a:ea typeface="Helvetica Neue Light" charset="0"/>
-                  <a:cs typeface="Helvetica Neue Light" charset="0"/>
-                </a:rPr>
-                <a:t>High Commitment</a:t>
-              </a:r>
-            </a:p>
-          </p:txBody>
-        </p:sp>
-        <p:sp>
-          <p:nvSpPr>
-            <p:cNvPr id="8" name="TextBox 7"/>
-            <p:cNvSpPr txBox="1"/>
-            <p:nvPr/>
-          </p:nvSpPr>
-          <p:spPr>
-            <a:xfrm>
-              <a:off x="7563095" y="2966652"/>
-              <a:ext cx="2988366" cy="954107"/>
-            </a:xfrm>
-            <a:prstGeom prst="rect">
-              <a:avLst/>
-            </a:prstGeom>
-            <a:noFill/>
-          </p:spPr>
-          <p:txBody>
-            <a:bodyPr wrap="square" rtlCol="0">
-              <a:spAutoFit/>
-            </a:bodyPr>
-            <a:lstStyle/>
-            <a:p>
-              <a:r>
-                <a:rPr lang="en-US" sz="2800" dirty="0">
-                  <a:latin typeface="Helvetica Neue Light" charset="0"/>
-                  <a:ea typeface="Helvetica Neue Light" charset="0"/>
-                  <a:cs typeface="Helvetica Neue Light" charset="0"/>
-                </a:rPr>
-                <a:t>High Risk/High Cost Activism</a:t>
-              </a:r>
-            </a:p>
-          </p:txBody>
-        </p:sp>
-        <p:cxnSp>
-          <p:nvCxnSpPr>
-            <p:cNvPr id="10" name="Curved Connector 9"/>
-            <p:cNvCxnSpPr/>
-            <p:nvPr/>
-          </p:nvCxnSpPr>
-          <p:spPr>
-            <a:xfrm rot="5400000" flipH="1" flipV="1">
-              <a:off x="6193178" y="131587"/>
-              <a:ext cx="82739" cy="5645461"/>
-            </a:xfrm>
-            <a:prstGeom prst="curvedConnector3">
-              <a:avLst>
-                <a:gd name="adj1" fmla="val 1888539"/>
-              </a:avLst>
-            </a:prstGeom>
-            <a:ln>
-              <a:tailEnd type="arrow"/>
-            </a:ln>
-          </p:spPr>
-          <p:style>
-            <a:lnRef idx="2">
-              <a:schemeClr val="accent1"/>
-            </a:lnRef>
-            <a:fillRef idx="0">
-              <a:schemeClr val="accent1"/>
-            </a:fillRef>
-            <a:effectRef idx="1">
-              <a:schemeClr val="accent1"/>
-            </a:effectRef>
-            <a:fontRef idx="minor">
-              <a:schemeClr val="tx1"/>
-            </a:fontRef>
-          </p:style>
-        </p:cxnSp>
-      </p:grpSp>
+      <p:sp>
+        <p:nvSpPr>
+          <p:cNvPr id="3" name="Content Placeholder 2"/>
+          <p:cNvSpPr>
+            <a:spLocks noGrp="1"/>
+          </p:cNvSpPr>
+          <p:nvPr>
+            <p:ph sz="quarter" idx="1"/>
+          </p:nvPr>
+        </p:nvSpPr>
+        <p:spPr/>
+        <p:txBody>
+          <a:bodyPr/>
+          <a:lstStyle/>
+          <a:p>
+            <a:r>
+              <a:rPr lang="en-US" dirty="0" smtClean="0"/>
+              <a:t>On a sheet of paper, write down at least one example from one of the cells in the previous table</a:t>
+            </a:r>
+            <a:endParaRPr lang="en-US" dirty="0"/>
+          </a:p>
+          <a:p>
+            <a:pPr lvl="1"/>
+            <a:r>
+              <a:rPr lang="en-US" dirty="0" smtClean="0"/>
+              <a:t>Low risk, low cost</a:t>
+            </a:r>
+          </a:p>
+          <a:p>
+            <a:pPr lvl="1"/>
+            <a:r>
+              <a:rPr lang="en-US" dirty="0" smtClean="0"/>
+              <a:t>Low risk, high cost</a:t>
+            </a:r>
+          </a:p>
+          <a:p>
+            <a:pPr lvl="1"/>
+            <a:r>
+              <a:rPr lang="en-US" dirty="0" smtClean="0"/>
+              <a:t>High risk, low cost</a:t>
+            </a:r>
+          </a:p>
+          <a:p>
+            <a:pPr lvl="1"/>
+            <a:r>
+              <a:rPr lang="en-US" dirty="0" smtClean="0"/>
+              <a:t>High risk, high cost</a:t>
+            </a:r>
+            <a:endParaRPr lang="en-US" dirty="0"/>
+          </a:p>
+        </p:txBody>
+      </p:sp>
+      <p:graphicFrame>
+        <p:nvGraphicFramePr>
+          <p:cNvPr id="4" name="Content Placeholder 3"/>
+          <p:cNvGraphicFramePr>
+            <a:graphicFrameLocks/>
+          </p:cNvGraphicFramePr>
+          <p:nvPr>
+            <p:extLst>
+              <p:ext uri="{D42A27DB-BD31-4B8C-83A1-F6EECF244321}">
+                <p14:modId xmlns:p14="http://schemas.microsoft.com/office/powerpoint/2010/main" val="1787632257"/>
+              </p:ext>
+            </p:extLst>
+          </p:nvPr>
+        </p:nvGraphicFramePr>
+        <p:xfrm>
+          <a:off x="4625009" y="2501347"/>
+          <a:ext cx="6957391" cy="3708233"/>
+        </p:xfrm>
+        <a:graphic>
+          <a:graphicData uri="http://schemas.openxmlformats.org/drawingml/2006/table">
+            <a:tbl>
+              <a:tblPr firstRow="1" bandRow="1">
+                <a:tableStyleId>{5C22544A-7EE6-4342-B048-85BDC9FD1C3A}</a:tableStyleId>
+              </a:tblPr>
+              <a:tblGrid>
+                <a:gridCol w="1337649"/>
+                <a:gridCol w="3300612"/>
+                <a:gridCol w="2319130"/>
+              </a:tblGrid>
+              <a:tr h="787294">
+                <a:tc>
+                  <a:txBody>
+                    <a:bodyPr/>
+                    <a:lstStyle/>
+                    <a:p>
+                      <a:pPr algn="ctr"/>
+                      <a:r>
+                        <a:rPr lang="en-US" b="1" i="0" dirty="0" smtClean="0">
+                          <a:latin typeface="Helvetica Neue Light" charset="0"/>
+                          <a:ea typeface="Helvetica Neue Light" charset="0"/>
+                          <a:cs typeface="Helvetica Neue Light" charset="0"/>
+                        </a:rPr>
+                        <a:t>Type of Risk/Type of Cost</a:t>
+                      </a:r>
+                      <a:endParaRPr lang="en-US" b="1" i="0" dirty="0">
+                        <a:latin typeface="Helvetica Neue Light" charset="0"/>
+                        <a:ea typeface="Helvetica Neue Light" charset="0"/>
+                        <a:cs typeface="Helvetica Neue Light" charset="0"/>
+                      </a:endParaRPr>
+                    </a:p>
+                  </a:txBody>
+                  <a:tcPr/>
+                </a:tc>
+                <a:tc>
+                  <a:txBody>
+                    <a:bodyPr/>
+                    <a:lstStyle/>
+                    <a:p>
+                      <a:pPr algn="ctr"/>
+                      <a:r>
+                        <a:rPr lang="en-US" b="1" i="0" dirty="0" smtClean="0">
+                          <a:latin typeface="Helvetica Neue Light" charset="0"/>
+                          <a:ea typeface="Helvetica Neue Light" charset="0"/>
+                          <a:cs typeface="Helvetica Neue Light" charset="0"/>
+                        </a:rPr>
+                        <a:t>Low Risk</a:t>
+                      </a:r>
+                      <a:endParaRPr lang="en-US" b="1" i="0" dirty="0">
+                        <a:latin typeface="Helvetica Neue Light" charset="0"/>
+                        <a:ea typeface="Helvetica Neue Light" charset="0"/>
+                        <a:cs typeface="Helvetica Neue Light" charset="0"/>
+                      </a:endParaRPr>
+                    </a:p>
+                  </a:txBody>
+                  <a:tcPr/>
+                </a:tc>
+                <a:tc>
+                  <a:txBody>
+                    <a:bodyPr/>
+                    <a:lstStyle/>
+                    <a:p>
+                      <a:pPr algn="ctr"/>
+                      <a:r>
+                        <a:rPr lang="en-US" b="1" i="0" dirty="0" smtClean="0">
+                          <a:latin typeface="Helvetica Neue Light" charset="0"/>
+                          <a:ea typeface="Helvetica Neue Light" charset="0"/>
+                          <a:cs typeface="Helvetica Neue Light" charset="0"/>
+                        </a:rPr>
+                        <a:t>High</a:t>
+                      </a:r>
+                      <a:r>
+                        <a:rPr lang="en-US" b="1" i="0" baseline="0" dirty="0" smtClean="0">
+                          <a:latin typeface="Helvetica Neue Light" charset="0"/>
+                          <a:ea typeface="Helvetica Neue Light" charset="0"/>
+                          <a:cs typeface="Helvetica Neue Light" charset="0"/>
+                        </a:rPr>
+                        <a:t> Risk</a:t>
+                      </a:r>
+                      <a:endParaRPr lang="en-US" b="1" i="0" dirty="0">
+                        <a:latin typeface="Helvetica Neue Light" charset="0"/>
+                        <a:ea typeface="Helvetica Neue Light" charset="0"/>
+                        <a:cs typeface="Helvetica Neue Light" charset="0"/>
+                      </a:endParaRPr>
+                    </a:p>
+                  </a:txBody>
+                  <a:tcPr/>
+                </a:tc>
+              </a:tr>
+              <a:tr h="1330793">
+                <a:tc>
+                  <a:txBody>
+                    <a:bodyPr/>
+                    <a:lstStyle/>
+                    <a:p>
+                      <a:pPr algn="ctr"/>
+                      <a:r>
+                        <a:rPr lang="en-US" b="1" i="0" dirty="0" smtClean="0">
+                          <a:latin typeface="Helvetica Neue Light" charset="0"/>
+                          <a:ea typeface="Helvetica Neue Light" charset="0"/>
+                          <a:cs typeface="Helvetica Neue Light" charset="0"/>
+                        </a:rPr>
+                        <a:t>Low</a:t>
+                      </a:r>
+                      <a:r>
+                        <a:rPr lang="en-US" b="1" i="0" baseline="0" dirty="0" smtClean="0">
+                          <a:latin typeface="Helvetica Neue Light" charset="0"/>
+                          <a:ea typeface="Helvetica Neue Light" charset="0"/>
+                          <a:cs typeface="Helvetica Neue Light" charset="0"/>
+                        </a:rPr>
+                        <a:t> Cost</a:t>
+                      </a:r>
+                      <a:endParaRPr lang="en-US" b="1" i="0" dirty="0">
+                        <a:latin typeface="Helvetica Neue Light" charset="0"/>
+                        <a:ea typeface="Helvetica Neue Light" charset="0"/>
+                        <a:cs typeface="Helvetica Neue Light" charset="0"/>
+                      </a:endParaRPr>
+                    </a:p>
+                  </a:txBody>
+                  <a:tcPr/>
+                </a:tc>
+                <a:tc>
+                  <a:txBody>
+                    <a:bodyPr/>
+                    <a:lstStyle/>
+                    <a:p>
+                      <a:r>
+                        <a:rPr lang="en-US" b="0" i="0" dirty="0" smtClean="0">
+                          <a:latin typeface="Helvetica Neue Light" charset="0"/>
+                          <a:ea typeface="Helvetica Neue Light" charset="0"/>
+                          <a:cs typeface="Helvetica Neue Light" charset="0"/>
+                        </a:rPr>
+                        <a:t>Signing a petition in the contemporary U.S.</a:t>
+                      </a:r>
+                      <a:endParaRPr lang="en-US" b="0" i="0" dirty="0">
+                        <a:latin typeface="Helvetica Neue Light" charset="0"/>
+                        <a:ea typeface="Helvetica Neue Light" charset="0"/>
+                        <a:cs typeface="Helvetica Neue Light" charset="0"/>
+                      </a:endParaRPr>
+                    </a:p>
+                  </a:txBody>
+                  <a:tcPr/>
+                </a:tc>
+                <a:tc>
+                  <a:txBody>
+                    <a:bodyPr/>
+                    <a:lstStyle/>
+                    <a:p>
+                      <a:r>
+                        <a:rPr lang="en-US" b="0" i="0" dirty="0" smtClean="0">
+                          <a:latin typeface="Helvetica Neue Light" charset="0"/>
+                          <a:ea typeface="Helvetica Neue Light" charset="0"/>
+                          <a:cs typeface="Helvetica Neue Light" charset="0"/>
+                        </a:rPr>
+                        <a:t>Signing a pro-communist petition during the</a:t>
+                      </a:r>
+                      <a:r>
+                        <a:rPr lang="en-US" b="0" i="0" baseline="0" dirty="0" smtClean="0">
+                          <a:latin typeface="Helvetica Neue Light" charset="0"/>
+                          <a:ea typeface="Helvetica Neue Light" charset="0"/>
+                          <a:cs typeface="Helvetica Neue Light" charset="0"/>
+                        </a:rPr>
+                        <a:t> McCarthy Era</a:t>
+                      </a:r>
+                      <a:endParaRPr lang="en-US" b="0" i="0" dirty="0">
+                        <a:latin typeface="Helvetica Neue Light" charset="0"/>
+                        <a:ea typeface="Helvetica Neue Light" charset="0"/>
+                        <a:cs typeface="Helvetica Neue Light" charset="0"/>
+                      </a:endParaRPr>
+                    </a:p>
+                  </a:txBody>
+                  <a:tcPr/>
+                </a:tc>
+              </a:tr>
+              <a:tr h="1330793">
+                <a:tc>
+                  <a:txBody>
+                    <a:bodyPr/>
+                    <a:lstStyle/>
+                    <a:p>
+                      <a:pPr algn="ctr"/>
+                      <a:r>
+                        <a:rPr lang="en-US" b="1" i="0" dirty="0" smtClean="0">
+                          <a:latin typeface="Helvetica Neue Light" charset="0"/>
+                          <a:ea typeface="Helvetica Neue Light" charset="0"/>
+                          <a:cs typeface="Helvetica Neue Light" charset="0"/>
+                        </a:rPr>
+                        <a:t>High Cost</a:t>
+                      </a:r>
+                      <a:endParaRPr lang="en-US" b="1" i="0" dirty="0">
+                        <a:latin typeface="Helvetica Neue Light" charset="0"/>
+                        <a:ea typeface="Helvetica Neue Light" charset="0"/>
+                        <a:cs typeface="Helvetica Neue Light" charset="0"/>
+                      </a:endParaRPr>
+                    </a:p>
+                  </a:txBody>
+                  <a:tcPr/>
+                </a:tc>
+                <a:tc>
+                  <a:txBody>
+                    <a:bodyPr/>
+                    <a:lstStyle/>
+                    <a:p>
+                      <a:r>
+                        <a:rPr lang="en-US" b="0" i="0" dirty="0" smtClean="0">
+                          <a:latin typeface="Helvetica Neue Light" charset="0"/>
+                          <a:ea typeface="Helvetica Neue Light" charset="0"/>
+                          <a:cs typeface="Helvetica Neue Light" charset="0"/>
+                        </a:rPr>
+                        <a:t>Traveling to Washington</a:t>
+                      </a:r>
+                      <a:r>
+                        <a:rPr lang="en-US" b="0" i="0" baseline="0" dirty="0" smtClean="0">
+                          <a:latin typeface="Helvetica Neue Light" charset="0"/>
+                          <a:ea typeface="Helvetica Neue Light" charset="0"/>
+                          <a:cs typeface="Helvetica Neue Light" charset="0"/>
+                        </a:rPr>
+                        <a:t>, D.C. for a protest</a:t>
+                      </a:r>
+                      <a:endParaRPr lang="en-US" b="0" i="0" dirty="0">
+                        <a:latin typeface="Helvetica Neue Light" charset="0"/>
+                        <a:ea typeface="Helvetica Neue Light" charset="0"/>
+                        <a:cs typeface="Helvetica Neue Light" charset="0"/>
+                      </a:endParaRPr>
+                    </a:p>
+                  </a:txBody>
+                  <a:tcPr/>
+                </a:tc>
+                <a:tc>
+                  <a:txBody>
+                    <a:bodyPr/>
+                    <a:lstStyle/>
+                    <a:p>
+                      <a:r>
+                        <a:rPr lang="en-US" b="0" i="0" dirty="0" smtClean="0">
+                          <a:latin typeface="Helvetica Neue Light" charset="0"/>
+                          <a:ea typeface="Helvetica Neue Light" charset="0"/>
+                          <a:cs typeface="Helvetica Neue Light" charset="0"/>
+                        </a:rPr>
+                        <a:t>Traveling to South</a:t>
+                      </a:r>
+                      <a:r>
+                        <a:rPr lang="en-US" b="0" i="0" baseline="0" dirty="0" smtClean="0">
+                          <a:latin typeface="Helvetica Neue Light" charset="0"/>
+                          <a:ea typeface="Helvetica Neue Light" charset="0"/>
+                          <a:cs typeface="Helvetica Neue Light" charset="0"/>
+                        </a:rPr>
+                        <a:t> (as a Californian) to participate in Freedom Summer in 1964</a:t>
+                      </a:r>
+                      <a:endParaRPr lang="en-US" b="0" i="0" dirty="0">
+                        <a:latin typeface="Helvetica Neue Light" charset="0"/>
+                        <a:ea typeface="Helvetica Neue Light" charset="0"/>
+                        <a:cs typeface="Helvetica Neue Light" charset="0"/>
+                      </a:endParaRPr>
+                    </a:p>
+                  </a:txBody>
+                  <a:tcPr/>
+                </a:tc>
+              </a:tr>
+            </a:tbl>
+          </a:graphicData>
+        </a:graphic>
+      </p:graphicFrame>
     </p:spTree>
     <p:extLst>
       <p:ext uri="{BB962C8B-B14F-4D97-AF65-F5344CB8AC3E}">
-        <p14:creationId xmlns:p14="http://schemas.microsoft.com/office/powerpoint/2010/main" val="2106459817"/>
+        <p14:creationId xmlns:p14="http://schemas.microsoft.com/office/powerpoint/2010/main" val="885718447"/>
       </p:ext>
     </p:extLst>
   </p:cSld>
   <p:clrMapOvr>
     <a:masterClrMapping/>
   </p:clrMapOvr>
-  <mc:AlternateContent xmlns:mc="http://schemas.openxmlformats.org/markup-compatibility/2006" xmlns:p14="http://schemas.microsoft.com/office/powerpoint/2010/main">
-    <mc:Choice Requires="p14">
+  <mc:AlternateContent xmlns:mc="http://schemas.openxmlformats.org/markup-compatibility/2006">
+    <mc:Choice xmlns:p14="http://schemas.microsoft.com/office/powerpoint/2010/main" Requires="p14">
       <p:transition spd="med" p14:dur="700">
         <p:fade/>
       </p:transition>
     </mc:Choice>
-    <mc:Fallback xmlns="">
-      <p:transition xmlns:p14="http://schemas.microsoft.com/office/powerpoint/2010/main" spd="med">
+    <mc:Fallback>
+      <p:transition spd="med">
         <p:fade/>
       </p:transition>
     </mc:Fallback>
